--- a/Doc/Presentations/Posters/ME493 Poster_1020pm_john_edits.pptx
+++ b/Doc/Presentations/Posters/ME493 Poster_1020pm_john_edits.pptx
@@ -294,7 +294,7 @@
           <a:p>
             <a:fld id="{3E4396BC-FF86-E443-91C3-1CD4D44441F9}" type="datetimeFigureOut">
               <a:rPr lang="en-US" smtClean="0"/>
-              <a:t>5/31/2017</a:t>
+              <a:t>6/2/2017</a:t>
             </a:fld>
             <a:endParaRPr lang="en-US"/>
           </a:p>
@@ -477,7 +477,7 @@
             <a:fld id="{DF699EAC-4048-3F42-8ACE-36A8E7A2B107}" type="datetime1">
               <a:rPr lang="en-US" altLang="x-none"/>
               <a:pPr/>
-              <a:t>5/31/2017</a:t>
+              <a:t>6/2/2017</a:t>
             </a:fld>
             <a:endParaRPr lang="en-US" altLang="x-none"/>
           </a:p>
@@ -852,7 +852,7 @@
               </a14:hiddenFill>
             </a:ext>
             <a:ext uri="{FAA26D3D-D897-4be2-8F04-BA451C77F1D7}">
-              <ma14:placeholderFlag xmlns:ma14="http://schemas.microsoft.com/office/mac/drawingml/2011/main" xmlns="" val="1"/>
+              <ma14:placeholderFlag xmlns="" xmlns:ma14="http://schemas.microsoft.com/office/mac/drawingml/2011/main" val="1"/>
             </a:ext>
           </a:extLst>
         </p:spPr>
@@ -3732,7 +3732,7 @@
               </a14:hiddenLine>
             </a:ext>
             <a:ext uri="{FAA26D3D-D897-4be2-8F04-BA451C77F1D7}">
-              <ma14:placeholderFlag xmlns:ma14="http://schemas.microsoft.com/office/mac/drawingml/2011/main" xmlns="" val="1"/>
+              <ma14:placeholderFlag xmlns="" xmlns:ma14="http://schemas.microsoft.com/office/mac/drawingml/2011/main" val="1"/>
             </a:ext>
           </a:extLst>
         </p:spPr>
@@ -3793,7 +3793,7 @@
               </a14:hiddenLine>
             </a:ext>
             <a:ext uri="{FAA26D3D-D897-4be2-8F04-BA451C77F1D7}">
-              <ma14:placeholderFlag xmlns:ma14="http://schemas.microsoft.com/office/mac/drawingml/2011/main" xmlns="" val="1"/>
+              <ma14:placeholderFlag xmlns="" xmlns:ma14="http://schemas.microsoft.com/office/mac/drawingml/2011/main" val="1"/>
             </a:ext>
           </a:extLst>
         </p:spPr>
@@ -4586,7 +4586,7 @@
                 <a:solidFill>
                   <a:srgbClr val="000000"/>
                 </a:solidFill>
-                <a:latin typeface="Helvetica" panose="020B0604020202020204" pitchFamily="34" charset="0"/>
+                <a:latin typeface="Garamond" panose="02020404030301010803" pitchFamily="18" charset="0"/>
                 <a:cs typeface="Helvetica" panose="020B0604020202020204" pitchFamily="34" charset="0"/>
               </a:rPr>
               <a:t>Design Features</a:t>
@@ -4595,7 +4595,7 @@
               <a:solidFill>
                 <a:srgbClr val="000000"/>
               </a:solidFill>
-              <a:latin typeface="Helvetica" panose="020B0604020202020204" pitchFamily="34" charset="0"/>
+              <a:latin typeface="Garamond" panose="02020404030301010803" pitchFamily="18" charset="0"/>
               <a:cs typeface="Helvetica" panose="020B0604020202020204" pitchFamily="34" charset="0"/>
             </a:endParaRPr>
           </a:p>
@@ -4834,7 +4834,7 @@
                 <a:solidFill>
                   <a:srgbClr val="000000"/>
                 </a:solidFill>
-                <a:latin typeface="Helvetica" panose="020B0604020202020204" pitchFamily="34" charset="0"/>
+                <a:latin typeface="Garamond" panose="02020404030301010803" pitchFamily="18" charset="0"/>
                 <a:cs typeface="Helvetica" panose="020B0604020202020204" pitchFamily="34" charset="0"/>
               </a:rPr>
               <a:t>Measured Performance</a:t>
@@ -4843,7 +4843,7 @@
               <a:solidFill>
                 <a:srgbClr val="000000"/>
               </a:solidFill>
-              <a:latin typeface="Helvetica" panose="020B0604020202020204" pitchFamily="34" charset="0"/>
+              <a:latin typeface="Garamond" panose="02020404030301010803" pitchFamily="18" charset="0"/>
               <a:cs typeface="Helvetica" panose="020B0604020202020204" pitchFamily="34" charset="0"/>
             </a:endParaRPr>
           </a:p>
@@ -4855,7 +4855,7 @@
             </a:pPr>
             <a:r>
               <a:rPr lang="en-US" altLang="x-none" sz="2800" dirty="0" smtClean="0">
-                <a:latin typeface="Helvetica" panose="020B0604020202020204" pitchFamily="34" charset="0"/>
+                <a:latin typeface="Garamond" panose="02020404030301010803" pitchFamily="18" charset="0"/>
                 <a:cs typeface="Helvetica" panose="020B0604020202020204" pitchFamily="34" charset="0"/>
               </a:rPr>
               <a:t>Show concrete, quantitative evidence that your device works. Show how, and to what degree, your design meets the key customer requirements. Plots, photos of the device in action, or tables of results would be good to add. However, do not cram too much information into the space</a:t>
@@ -4868,7 +4868,7 @@
               </a:spcBef>
             </a:pPr>
             <a:endParaRPr lang="en-US" altLang="x-none" sz="2800" dirty="0">
-              <a:latin typeface="Helvetica" panose="020B0604020202020204" pitchFamily="34" charset="0"/>
+              <a:latin typeface="Garamond" panose="02020404030301010803" pitchFamily="18" charset="0"/>
               <a:cs typeface="Helvetica" panose="020B0604020202020204" pitchFamily="34" charset="0"/>
             </a:endParaRPr>
           </a:p>
@@ -4880,13 +4880,13 @@
             </a:pPr>
             <a:r>
               <a:rPr lang="en-US" altLang="x-none" sz="2800" dirty="0" smtClean="0">
-                <a:latin typeface="Helvetica" panose="020B0604020202020204" pitchFamily="34" charset="0"/>
+                <a:latin typeface="Garamond" panose="02020404030301010803" pitchFamily="18" charset="0"/>
                 <a:cs typeface="Helvetica" panose="020B0604020202020204" pitchFamily="34" charset="0"/>
               </a:rPr>
               <a:t>This is where you show your convincing evidence for the success of your project</a:t>
             </a:r>
             <a:endParaRPr lang="en-US" altLang="x-none" sz="2800" dirty="0">
-              <a:latin typeface="Helvetica" panose="020B0604020202020204" pitchFamily="34" charset="0"/>
+              <a:latin typeface="Garamond" panose="02020404030301010803" pitchFamily="18" charset="0"/>
               <a:cs typeface="Helvetica" panose="020B0604020202020204" pitchFamily="34" charset="0"/>
             </a:endParaRPr>
           </a:p>
@@ -5064,13 +5064,13 @@
             </a:pPr>
             <a:r>
               <a:rPr lang="en-US" altLang="x-none" sz="4400" b="1" dirty="0" smtClean="0">
-                <a:latin typeface="Helvetica" panose="020B0604020202020204" pitchFamily="34" charset="0"/>
+                <a:latin typeface="Garamond" panose="02020404030301010803" pitchFamily="18" charset="0"/>
                 <a:cs typeface="Helvetica" panose="020B0604020202020204" pitchFamily="34" charset="0"/>
               </a:rPr>
               <a:t>Project Objective Statement</a:t>
             </a:r>
             <a:endParaRPr lang="en-US" altLang="x-none" sz="4400" b="1" dirty="0">
-              <a:latin typeface="Helvetica" panose="020B0604020202020204" pitchFamily="34" charset="0"/>
+              <a:latin typeface="Garamond" panose="02020404030301010803" pitchFamily="18" charset="0"/>
               <a:cs typeface="Helvetica" panose="020B0604020202020204" pitchFamily="34" charset="0"/>
             </a:endParaRPr>
           </a:p>
@@ -5093,52 +5093,59 @@
             </a:pPr>
             <a:r>
               <a:rPr lang="en-US" sz="2800" dirty="0" smtClean="0">
-                <a:latin typeface="Helvetica" panose="020B0604020202020204" pitchFamily="34" charset="0"/>
+                <a:latin typeface="Garamond" panose="02020404030301010803" pitchFamily="18" charset="0"/>
                 <a:cs typeface="Helvetica" panose="020B0604020202020204" pitchFamily="34" charset="0"/>
               </a:rPr>
               <a:t>The </a:t>
             </a:r>
             <a:r>
               <a:rPr lang="en-US" sz="2800" dirty="0">
-                <a:latin typeface="Helvetica" panose="020B0604020202020204" pitchFamily="34" charset="0"/>
+                <a:latin typeface="Garamond" panose="02020404030301010803" pitchFamily="18" charset="0"/>
                 <a:cs typeface="Helvetica" panose="020B0604020202020204" pitchFamily="34" charset="0"/>
               </a:rPr>
               <a:t>goal of the EFS project is to design, build, and test an electric </a:t>
             </a:r>
             <a:r>
               <a:rPr lang="en-US" sz="2800" dirty="0" smtClean="0">
-                <a:latin typeface="Helvetica" panose="020B0604020202020204" pitchFamily="34" charset="0"/>
+                <a:latin typeface="Garamond" panose="02020404030301010803" pitchFamily="18" charset="0"/>
                 <a:cs typeface="Helvetica" panose="020B0604020202020204" pitchFamily="34" charset="0"/>
               </a:rPr>
               <a:t>propellant feed </a:t>
             </a:r>
             <a:r>
               <a:rPr lang="en-US" sz="2800" dirty="0">
-                <a:latin typeface="Helvetica" panose="020B0604020202020204" pitchFamily="34" charset="0"/>
+                <a:latin typeface="Garamond" panose="02020404030301010803" pitchFamily="18" charset="0"/>
                 <a:cs typeface="Helvetica" panose="020B0604020202020204" pitchFamily="34" charset="0"/>
               </a:rPr>
               <a:t>system </a:t>
             </a:r>
             <a:r>
               <a:rPr lang="en-US" sz="2800" dirty="0" smtClean="0">
-                <a:latin typeface="Helvetica" panose="020B0604020202020204" pitchFamily="34" charset="0"/>
+                <a:latin typeface="Garamond" panose="02020404030301010803" pitchFamily="18" charset="0"/>
                 <a:cs typeface="Helvetica" panose="020B0604020202020204" pitchFamily="34" charset="0"/>
               </a:rPr>
               <a:t>for </a:t>
             </a:r>
             <a:r>
               <a:rPr lang="en-US" sz="2800" dirty="0">
-                <a:latin typeface="Helvetica" panose="020B0604020202020204" pitchFamily="34" charset="0"/>
+                <a:latin typeface="Garamond" panose="02020404030301010803" pitchFamily="18" charset="0"/>
                 <a:cs typeface="Helvetica" panose="020B0604020202020204" pitchFamily="34" charset="0"/>
               </a:rPr>
               <a:t>the PSAS LV4 liquid fueled bi-propellant rocket engine prototype by June 6, 2017.</a:t>
+            </a:r>
+            <a:r>
+              <a:rPr lang="en-US" altLang="x-none" sz="2400" dirty="0">
+                <a:latin typeface="Garamond" panose="02020404030301010803" pitchFamily="18" charset="0"/>
+                <a:cs typeface="Helvetica" panose="020B0604020202020204" pitchFamily="34" charset="0"/>
+              </a:rPr>
+              <a:t>	</a:t>
             </a:r>
             <a:r>
               <a:rPr lang="en-US" altLang="x-none" sz="2400" dirty="0">
                 <a:latin typeface="Helvetica" panose="020B0604020202020204" pitchFamily="34" charset="0"/>
                 <a:cs typeface="Helvetica" panose="020B0604020202020204" pitchFamily="34" charset="0"/>
               </a:rPr>
-              <a:t>		</a:t>
+              <a:t>	</a:t>
             </a:r>
             <a:endParaRPr lang="en-US" altLang="x-none" sz="2400" i="1" dirty="0">
               <a:solidFill>
@@ -5336,7 +5343,7 @@
                 <a:solidFill>
                   <a:srgbClr val="000000"/>
                 </a:solidFill>
-                <a:latin typeface="Helvetica" panose="020B0604020202020204" pitchFamily="34" charset="0"/>
+                <a:latin typeface="Garamond" panose="02020404030301010803" pitchFamily="18" charset="0"/>
                 <a:cs typeface="Helvetica" panose="020B0604020202020204" pitchFamily="34" charset="0"/>
               </a:rPr>
               <a:t>Key Customer Requirements</a:t>
@@ -5373,21 +5380,21 @@
             </a:pPr>
             <a:r>
               <a:rPr lang="en-US" altLang="x-none" sz="2800" dirty="0" smtClean="0">
-                <a:latin typeface="Helvetica" panose="020B0604020202020204" pitchFamily="34" charset="0"/>
+                <a:latin typeface="Garamond" panose="02020404030301010803" pitchFamily="18" charset="0"/>
                 <a:cs typeface="Helvetica" panose="020B0604020202020204" pitchFamily="34" charset="0"/>
               </a:rPr>
               <a:t>Design, build and test </a:t>
             </a:r>
             <a:r>
               <a:rPr lang="en-US" altLang="x-none" sz="2800" dirty="0">
-                <a:latin typeface="Helvetica" panose="020B0604020202020204" pitchFamily="34" charset="0"/>
+                <a:latin typeface="Garamond" panose="02020404030301010803" pitchFamily="18" charset="0"/>
                 <a:cs typeface="Helvetica" panose="020B0604020202020204" pitchFamily="34" charset="0"/>
               </a:rPr>
               <a:t>a technology development platform for the </a:t>
             </a:r>
             <a:r>
               <a:rPr lang="en-US" altLang="x-none" sz="2800" dirty="0" smtClean="0">
-                <a:latin typeface="Helvetica" panose="020B0604020202020204" pitchFamily="34" charset="0"/>
+                <a:latin typeface="Garamond" panose="02020404030301010803" pitchFamily="18" charset="0"/>
                 <a:cs typeface="Helvetica" panose="020B0604020202020204" pitchFamily="34" charset="0"/>
               </a:rPr>
               <a:t>electronic propellant feed system.</a:t>
@@ -5403,7 +5410,7 @@
             </a:pPr>
             <a:r>
               <a:rPr lang="en-US" altLang="x-none" sz="2800" dirty="0" smtClean="0">
-                <a:latin typeface="Helvetica" panose="020B0604020202020204" pitchFamily="34" charset="0"/>
+                <a:latin typeface="Garamond" panose="02020404030301010803" pitchFamily="18" charset="0"/>
                 <a:cs typeface="Helvetica" panose="020B0604020202020204" pitchFamily="34" charset="0"/>
               </a:rPr>
               <a:t>Design a pump capable of delivering 350 psi of pressure at 11 GPM to the combustion chamber.</a:t>
@@ -5419,7 +5426,7 @@
             </a:pPr>
             <a:r>
               <a:rPr lang="en-US" altLang="x-none" sz="2800" dirty="0" smtClean="0">
-                <a:latin typeface="Helvetica" panose="020B0604020202020204" pitchFamily="34" charset="0"/>
+                <a:latin typeface="Garamond" panose="02020404030301010803" pitchFamily="18" charset="0"/>
                 <a:cs typeface="Helvetica" panose="020B0604020202020204" pitchFamily="34" charset="0"/>
               </a:rPr>
               <a:t>Pump performance characterization analysis.</a:t>
@@ -5435,7 +5442,7 @@
             </a:pPr>
             <a:r>
               <a:rPr lang="en-US" altLang="x-none" sz="2800" dirty="0" smtClean="0">
-                <a:latin typeface="Helvetica" panose="020B0604020202020204" pitchFamily="34" charset="0"/>
+                <a:latin typeface="Garamond" panose="02020404030301010803" pitchFamily="18" charset="0"/>
                 <a:cs typeface="Helvetica" panose="020B0604020202020204" pitchFamily="34" charset="0"/>
               </a:rPr>
               <a:t>Scalable design for future pump iterations.</a:t>
@@ -5451,7 +5458,7 @@
             </a:pPr>
             <a:r>
               <a:rPr lang="en-US" altLang="x-none" sz="2800" dirty="0" smtClean="0">
-                <a:latin typeface="Helvetica" panose="020B0604020202020204" pitchFamily="34" charset="0"/>
+                <a:latin typeface="Garamond" panose="02020404030301010803" pitchFamily="18" charset="0"/>
                 <a:cs typeface="Helvetica" panose="020B0604020202020204" pitchFamily="34" charset="0"/>
               </a:rPr>
               <a:t>Open source documentation, design artifacts and build information.</a:t>
@@ -5607,7 +5614,7 @@
                 <a:solidFill>
                   <a:srgbClr val="000000"/>
                 </a:solidFill>
-                <a:latin typeface="Helvetica" panose="020B0604020202020204" pitchFamily="34" charset="0"/>
+                <a:latin typeface="Garamond" panose="02020404030301010803" pitchFamily="18" charset="0"/>
                 <a:cs typeface="Helvetica" panose="020B0604020202020204" pitchFamily="34" charset="0"/>
               </a:rPr>
               <a:t>Acknowledgments</a:t>
@@ -5950,7 +5957,7 @@
                 <a:solidFill>
                   <a:srgbClr val="000000"/>
                 </a:solidFill>
-                <a:latin typeface="Helvetica" panose="020B0604020202020204" pitchFamily="34" charset="0"/>
+                <a:latin typeface="Garamond" panose="02020404030301010803" pitchFamily="18" charset="0"/>
                 <a:cs typeface="Helvetica" panose="020B0604020202020204" pitchFamily="34" charset="0"/>
               </a:rPr>
               <a:t>Project Website</a:t>
@@ -5964,14 +5971,14 @@
             </a:pPr>
             <a:r>
               <a:rPr lang="en-US" altLang="x-none" sz="2800" dirty="0" smtClean="0">
-                <a:latin typeface="Helvetica" panose="020B0604020202020204" pitchFamily="34" charset="0"/>
+                <a:latin typeface="Garamond" panose="02020404030301010803" pitchFamily="18" charset="0"/>
                 <a:cs typeface="Helvetica" panose="020B0604020202020204" pitchFamily="34" charset="0"/>
               </a:rPr>
               <a:t>https</a:t>
             </a:r>
             <a:r>
               <a:rPr lang="en-US" altLang="x-none" sz="2800" dirty="0">
-                <a:latin typeface="Helvetica" panose="020B0604020202020204" pitchFamily="34" charset="0"/>
+                <a:latin typeface="Garamond" panose="02020404030301010803" pitchFamily="18" charset="0"/>
                 <a:cs typeface="Helvetica" panose="020B0604020202020204" pitchFamily="34" charset="0"/>
               </a:rPr>
               <a:t>://github.com/psas/electric-feed-system</a:t>
@@ -6023,14 +6030,14 @@
           </a:ln>
           <a:extLst>
             <a:ext uri="{909E8E84-426E-40dd-AFC4-6F175D3DCCD1}">
-              <a14:hiddenFill xmlns="" xmlns:a14="http://schemas.microsoft.com/office/drawing/2010/main">
+              <a14:hiddenFill xmlns:a14="http://schemas.microsoft.com/office/drawing/2010/main" xmlns="">
                 <a:solidFill>
                   <a:srgbClr val="FFFFFF"/>
                 </a:solidFill>
               </a14:hiddenFill>
             </a:ext>
             <a:ext uri="{91240B29-F687-4f45-9708-019B960494DF}">
-              <a14:hiddenLine xmlns="" xmlns:a14="http://schemas.microsoft.com/office/drawing/2010/main" w="9525">
+              <a14:hiddenLine xmlns:a14="http://schemas.microsoft.com/office/drawing/2010/main" xmlns="" w="9525">
                 <a:solidFill>
                   <a:srgbClr val="000000"/>
                 </a:solidFill>
@@ -6248,87 +6255,43 @@
             </a:pPr>
             <a:r>
               <a:rPr lang="en-US" altLang="x-none" sz="4400" b="1" dirty="0" smtClean="0">
-                <a:latin typeface="Helvetica" panose="020B0604020202020204" pitchFamily="34" charset="0"/>
+                <a:latin typeface="Garamond" panose="02020404030301010803" pitchFamily="18" charset="0"/>
                 <a:cs typeface="Helvetica" panose="020B0604020202020204" pitchFamily="34" charset="0"/>
               </a:rPr>
               <a:t>Motivation</a:t>
             </a:r>
           </a:p>
           <a:p>
-            <a:pPr algn="just" eaLnBrk="1" hangingPunct="1">
+            <a:pPr eaLnBrk="1" hangingPunct="1">
               <a:spcBef>
                 <a:spcPct val="50000"/>
               </a:spcBef>
             </a:pPr>
-            <a:endParaRPr lang="en-US" altLang="x-none" sz="2400" i="1" dirty="0" smtClean="0">
+            <a:r>
+              <a:rPr lang="en-US" sz="2800" dirty="0">
+                <a:latin typeface="Garamond" panose="02020404030301010803" pitchFamily="18" charset="0"/>
+                <a:cs typeface="Helvetica" panose="020B0604020202020204" pitchFamily="34" charset="0"/>
+              </a:rPr>
+              <a:t>Historically, the systems to impel propellants to requirements of the combustion chamber of a liquid fueled rocket are based on the employment of turbo-pumps or a pressurized gas systems. The complexity and cost of these methods has made building a liquid fuel rocket financially and technically difficult for the amateur rocket community. However, recent technological advances in electric motors and batteries have building small and light weight electric-pump feed systems is possible. </a:t>
+            </a:r>
+            <a:endParaRPr lang="en-US" altLang="x-none" sz="2800" i="1" dirty="0" smtClean="0">
               <a:solidFill>
                 <a:schemeClr val="accent2"/>
               </a:solidFill>
-              <a:latin typeface="Helvetica" panose="020B0604020202020204" pitchFamily="34" charset="0"/>
+              <a:latin typeface="Garamond" panose="02020404030301010803" pitchFamily="18" charset="0"/>
               <a:cs typeface="Helvetica" panose="020B0604020202020204" pitchFamily="34" charset="0"/>
             </a:endParaRPr>
           </a:p>
           <a:p>
-            <a:r>
-              <a:rPr lang="en-US" sz="2800" dirty="0" smtClean="0">
-                <a:latin typeface="Helvetica" panose="020B0604020202020204" pitchFamily="34" charset="0"/>
-                <a:cs typeface="Helvetica" panose="020B0604020202020204" pitchFamily="34" charset="0"/>
-              </a:rPr>
-              <a:t>Historically, the technology used to deliver liquid propellant into a rocket’s combustion chamber has been to use complex </a:t>
-            </a:r>
-            <a:r>
-              <a:rPr lang="en-US" sz="2800" dirty="0" err="1" smtClean="0">
-                <a:latin typeface="Helvetica" panose="020B0604020202020204" pitchFamily="34" charset="0"/>
-                <a:cs typeface="Helvetica" panose="020B0604020202020204" pitchFamily="34" charset="0"/>
-              </a:rPr>
-              <a:t>turbopumps</a:t>
-            </a:r>
-            <a:r>
-              <a:rPr lang="en-US" sz="2800" dirty="0" smtClean="0">
-                <a:latin typeface="Helvetica" panose="020B0604020202020204" pitchFamily="34" charset="0"/>
-                <a:cs typeface="Helvetica" panose="020B0604020202020204" pitchFamily="34" charset="0"/>
-              </a:rPr>
-              <a:t> or heavy pressurized gas </a:t>
-            </a:r>
-            <a:r>
-              <a:rPr lang="en-US" sz="2800" dirty="0" smtClean="0">
-                <a:latin typeface="Helvetica" panose="020B0604020202020204" pitchFamily="34" charset="0"/>
-                <a:cs typeface="Helvetica" panose="020B0604020202020204" pitchFamily="34" charset="0"/>
-              </a:rPr>
-              <a:t>tanks. </a:t>
-            </a:r>
-            <a:r>
-              <a:rPr lang="en-US" sz="2800" dirty="0" smtClean="0">
-                <a:latin typeface="Helvetica" panose="020B0604020202020204" pitchFamily="34" charset="0"/>
-                <a:cs typeface="Helvetica" panose="020B0604020202020204" pitchFamily="34" charset="0"/>
-              </a:rPr>
-              <a:t>Recent advances in battery technology may allow an electric motor powered rocket propellant pump to compete with the effectiveness of a </a:t>
-            </a:r>
-            <a:r>
-              <a:rPr lang="en-US" sz="2800" dirty="0" err="1" smtClean="0">
-                <a:latin typeface="Helvetica" panose="020B0604020202020204" pitchFamily="34" charset="0"/>
-                <a:cs typeface="Helvetica" panose="020B0604020202020204" pitchFamily="34" charset="0"/>
-              </a:rPr>
-              <a:t>turbopump</a:t>
-            </a:r>
-            <a:r>
-              <a:rPr lang="en-US" sz="2800" dirty="0" smtClean="0">
-                <a:latin typeface="Helvetica" panose="020B0604020202020204" pitchFamily="34" charset="0"/>
-                <a:cs typeface="Helvetica" panose="020B0604020202020204" pitchFamily="34" charset="0"/>
-              </a:rPr>
-              <a:t> while weighing less than a pressure fed system.</a:t>
-            </a:r>
-          </a:p>
-          <a:p>
             <a:endParaRPr lang="en-US" sz="2800" dirty="0">
-              <a:latin typeface="Helvetica" panose="020B0604020202020204" pitchFamily="34" charset="0"/>
+              <a:latin typeface="Garamond" panose="02020404030301010803" pitchFamily="18" charset="0"/>
               <a:cs typeface="Helvetica" panose="020B0604020202020204" pitchFamily="34" charset="0"/>
             </a:endParaRPr>
           </a:p>
           <a:p>
             <a:r>
               <a:rPr lang="en-US" sz="2800" dirty="0" smtClean="0">
-                <a:latin typeface="Helvetica" panose="020B0604020202020204" pitchFamily="34" charset="0"/>
+                <a:latin typeface="Garamond" panose="02020404030301010803" pitchFamily="18" charset="0"/>
                 <a:cs typeface="Helvetica" panose="020B0604020202020204" pitchFamily="34" charset="0"/>
               </a:rPr>
               <a:t>The open source development of an electric motor powered, high speed centrifugal pump feed system is a step forward towards making low cost bipropellant rockets capable of reaching low Earth orbit accessible to amateurs and academic rocketry groups. </a:t>
@@ -6517,7 +6480,7 @@
                 <a:solidFill>
                   <a:srgbClr val="000000"/>
                 </a:solidFill>
-                <a:latin typeface="Helvetica" panose="020B0604020202020204" pitchFamily="34" charset="0"/>
+                <a:latin typeface="Garamond" panose="02020404030301010803" pitchFamily="18" charset="0"/>
                 <a:cs typeface="Helvetica" panose="020B0604020202020204" pitchFamily="34" charset="0"/>
               </a:rPr>
               <a:t>Future Work </a:t>
@@ -6533,7 +6496,7 @@
             </a:pPr>
             <a:r>
               <a:rPr lang="en-US" altLang="x-none" sz="2800" dirty="0" smtClean="0">
-                <a:latin typeface="Helvetica" panose="020B0604020202020204" pitchFamily="34" charset="0"/>
+                <a:latin typeface="Garamond" panose="02020404030301010803" pitchFamily="18" charset="0"/>
                 <a:cs typeface="Helvetica" panose="020B0604020202020204" pitchFamily="34" charset="0"/>
               </a:rPr>
               <a:t>Investigate additional design variations.</a:t>
@@ -6549,21 +6512,21 @@
             </a:pPr>
             <a:r>
               <a:rPr lang="en-US" altLang="x-none" sz="2800" dirty="0" smtClean="0">
-                <a:latin typeface="Helvetica" panose="020B0604020202020204" pitchFamily="34" charset="0"/>
+                <a:latin typeface="Garamond" panose="02020404030301010803" pitchFamily="18" charset="0"/>
                 <a:cs typeface="Helvetica" panose="020B0604020202020204" pitchFamily="34" charset="0"/>
               </a:rPr>
               <a:t>Test pump with PSAS </a:t>
             </a:r>
             <a:r>
               <a:rPr lang="en-US" altLang="x-none" sz="2800" dirty="0" err="1" smtClean="0">
-                <a:latin typeface="Helvetica" panose="020B0604020202020204" pitchFamily="34" charset="0"/>
+                <a:latin typeface="Garamond" panose="02020404030301010803" pitchFamily="18" charset="0"/>
                 <a:cs typeface="Helvetica" panose="020B0604020202020204" pitchFamily="34" charset="0"/>
               </a:rPr>
               <a:t>pintle</a:t>
             </a:r>
             <a:r>
               <a:rPr lang="en-US" altLang="x-none" sz="2800" dirty="0" smtClean="0">
-                <a:latin typeface="Helvetica" panose="020B0604020202020204" pitchFamily="34" charset="0"/>
+                <a:latin typeface="Garamond" panose="02020404030301010803" pitchFamily="18" charset="0"/>
                 <a:cs typeface="Helvetica" panose="020B0604020202020204" pitchFamily="34" charset="0"/>
               </a:rPr>
               <a:t> injector.</a:t>
@@ -6579,7 +6542,7 @@
             </a:pPr>
             <a:r>
               <a:rPr lang="en-US" altLang="x-none" sz="2800" dirty="0" smtClean="0">
-                <a:latin typeface="Helvetica" panose="020B0604020202020204" pitchFamily="34" charset="0"/>
+                <a:latin typeface="Garamond" panose="02020404030301010803" pitchFamily="18" charset="0"/>
                 <a:cs typeface="Helvetica" panose="020B0604020202020204" pitchFamily="34" charset="0"/>
               </a:rPr>
               <a:t>Adapt system for cryogenic propellants.</a:t>
@@ -6595,34 +6558,34 @@
             </a:pPr>
             <a:r>
               <a:rPr lang="en-US" altLang="x-none" sz="2800" dirty="0" smtClean="0">
-                <a:latin typeface="Helvetica" panose="020B0604020202020204" pitchFamily="34" charset="0"/>
+                <a:latin typeface="Garamond" panose="02020404030301010803" pitchFamily="18" charset="0"/>
                 <a:cs typeface="Helvetica" panose="020B0604020202020204" pitchFamily="34" charset="0"/>
               </a:rPr>
               <a:t>Scale </a:t>
             </a:r>
             <a:r>
               <a:rPr lang="en-US" altLang="x-none" sz="2800" dirty="0">
-                <a:latin typeface="Helvetica" panose="020B0604020202020204" pitchFamily="34" charset="0"/>
+                <a:latin typeface="Garamond" panose="02020404030301010803" pitchFamily="18" charset="0"/>
                 <a:cs typeface="Helvetica" panose="020B0604020202020204" pitchFamily="34" charset="0"/>
               </a:rPr>
               <a:t>design to match PSAS LV4 </a:t>
             </a:r>
             <a:r>
               <a:rPr lang="en-US" altLang="x-none" sz="2800" dirty="0" smtClean="0">
-                <a:latin typeface="Helvetica" panose="020B0604020202020204" pitchFamily="34" charset="0"/>
+                <a:latin typeface="Garamond" panose="02020404030301010803" pitchFamily="18" charset="0"/>
                 <a:cs typeface="Helvetica" panose="020B0604020202020204" pitchFamily="34" charset="0"/>
               </a:rPr>
               <a:t>requirements</a:t>
             </a:r>
             <a:r>
               <a:rPr lang="en-US" altLang="x-none" sz="2800" dirty="0">
-                <a:latin typeface="Helvetica" panose="020B0604020202020204" pitchFamily="34" charset="0"/>
+                <a:latin typeface="Garamond" panose="02020404030301010803" pitchFamily="18" charset="0"/>
                 <a:cs typeface="Helvetica" panose="020B0604020202020204" pitchFamily="34" charset="0"/>
               </a:rPr>
               <a:t>.</a:t>
             </a:r>
             <a:endParaRPr lang="en-US" altLang="x-none" sz="2800" dirty="0" smtClean="0">
-              <a:latin typeface="Helvetica" panose="020B0604020202020204" pitchFamily="34" charset="0"/>
+              <a:latin typeface="Garamond" panose="02020404030301010803" pitchFamily="18" charset="0"/>
               <a:cs typeface="Helvetica" panose="020B0604020202020204" pitchFamily="34" charset="0"/>
             </a:endParaRPr>
           </a:p>
@@ -6636,10 +6599,17 @@
             </a:pPr>
             <a:r>
               <a:rPr lang="en-US" altLang="x-none" sz="2800" dirty="0" smtClean="0">
+                <a:latin typeface="Garamond" panose="02020404030301010803" pitchFamily="18" charset="0"/>
+                <a:cs typeface="Helvetica" panose="020B0604020202020204" pitchFamily="34" charset="0"/>
+              </a:rPr>
+              <a:t>Refine motor control and motor data acquisition</a:t>
+            </a:r>
+            <a:r>
+              <a:rPr lang="en-US" altLang="x-none" sz="2800" dirty="0" smtClean="0">
                 <a:latin typeface="Helvetica" panose="020B0604020202020204" pitchFamily="34" charset="0"/>
                 <a:cs typeface="Helvetica" panose="020B0604020202020204" pitchFamily="34" charset="0"/>
               </a:rPr>
-              <a:t>Refine motor control and motor data acquisition.</a:t>
+              <a:t>.</a:t>
             </a:r>
           </a:p>
           <a:p>
@@ -6765,7 +6735,7 @@
           <p:nvPr>
             <p:extLst>
               <p:ext uri="{D42A27DB-BD31-4B8C-83A1-F6EECF244321}">
-                <p14:modId xmlns:p14="http://schemas.microsoft.com/office/powerpoint/2010/main" val="3000184610"/>
+                <p14:modId xmlns:p14="http://schemas.microsoft.com/office/powerpoint/2010/main" val="3516584944"/>
               </p:ext>
             </p:extLst>
           </p:nvPr>
@@ -6784,14 +6754,14 @@
                 <a:gridCol w="4025137">
                   <a:extLst>
                     <a:ext uri="{9D8B030D-6E8A-4147-A177-3AD203B41FA5}">
-                      <a16:colId xmlns:a16="http://schemas.microsoft.com/office/drawing/2014/main" val="20000"/>
+                      <a16:colId xmlns:a16="http://schemas.microsoft.com/office/drawing/2014/main" xmlns="" val="20000"/>
                     </a:ext>
                   </a:extLst>
                 </a:gridCol>
                 <a:gridCol w="4209496">
                   <a:extLst>
                     <a:ext uri="{9D8B030D-6E8A-4147-A177-3AD203B41FA5}">
-                      <a16:colId xmlns:a16="http://schemas.microsoft.com/office/drawing/2014/main" val="20001"/>
+                      <a16:colId xmlns:a16="http://schemas.microsoft.com/office/drawing/2014/main" xmlns="" val="20001"/>
                     </a:ext>
                   </a:extLst>
                 </a:gridCol>
@@ -6820,7 +6790,7 @@
                           <a:solidFill>
                             <a:schemeClr val="tx1"/>
                           </a:solidFill>
-                          <a:latin typeface="Helvetica" panose="020B0604020202020204" pitchFamily="34" charset="0"/>
+                          <a:latin typeface="Garamond" panose="02020404030301010803" pitchFamily="18" charset="0"/>
                           <a:ea typeface="ＭＳ Ｐゴシック" charset="-128"/>
                           <a:cs typeface="Helvetica" panose="020B0604020202020204" pitchFamily="34" charset="0"/>
                         </a:rPr>
@@ -6846,7 +6816,7 @@
                           <a:solidFill>
                             <a:schemeClr val="tx1"/>
                           </a:solidFill>
-                          <a:latin typeface="Helvetica" panose="020B0604020202020204" pitchFamily="34" charset="0"/>
+                          <a:latin typeface="Garamond" panose="02020404030301010803" pitchFamily="18" charset="0"/>
                           <a:ea typeface="ＭＳ Ｐゴシック" charset="-128"/>
                           <a:cs typeface="Helvetica" panose="020B0604020202020204" pitchFamily="34" charset="0"/>
                         </a:rPr>
@@ -6872,7 +6842,7 @@
                           <a:solidFill>
                             <a:schemeClr val="tx1"/>
                           </a:solidFill>
-                          <a:latin typeface="Helvetica" panose="020B0604020202020204" pitchFamily="34" charset="0"/>
+                          <a:latin typeface="Garamond" panose="02020404030301010803" pitchFamily="18" charset="0"/>
                           <a:ea typeface="ＭＳ Ｐゴシック" charset="-128"/>
                           <a:cs typeface="Helvetica" panose="020B0604020202020204" pitchFamily="34" charset="0"/>
                         </a:rPr>
@@ -6883,7 +6853,7 @@
                           <a:solidFill>
                             <a:schemeClr val="tx1"/>
                           </a:solidFill>
-                          <a:latin typeface="Helvetica" panose="020B0604020202020204" pitchFamily="34" charset="0"/>
+                          <a:latin typeface="Garamond" panose="02020404030301010803" pitchFamily="18" charset="0"/>
                           <a:ea typeface="ＭＳ Ｐゴシック" charset="-128"/>
                           <a:cs typeface="Helvetica" panose="020B0604020202020204" pitchFamily="34" charset="0"/>
                         </a:rPr>
@@ -6894,7 +6864,7 @@
                           <a:solidFill>
                             <a:schemeClr val="tx1"/>
                           </a:solidFill>
-                          <a:latin typeface="Helvetica" panose="020B0604020202020204" pitchFamily="34" charset="0"/>
+                          <a:latin typeface="Garamond" panose="02020404030301010803" pitchFamily="18" charset="0"/>
                           <a:ea typeface="ＭＳ Ｐゴシック" charset="-128"/>
                           <a:cs typeface="Helvetica" panose="020B0604020202020204" pitchFamily="34" charset="0"/>
                         </a:rPr>
@@ -6905,7 +6875,7 @@
                           <a:solidFill>
                             <a:schemeClr val="tx1"/>
                           </a:solidFill>
-                          <a:latin typeface="Helvetica" panose="020B0604020202020204" pitchFamily="34" charset="0"/>
+                          <a:latin typeface="Garamond" panose="02020404030301010803" pitchFamily="18" charset="0"/>
                           <a:ea typeface="ＭＳ Ｐゴシック" charset="-128"/>
                           <a:cs typeface="Helvetica" panose="020B0604020202020204" pitchFamily="34" charset="0"/>
                         </a:rPr>
@@ -6931,7 +6901,7 @@
                           <a:solidFill>
                             <a:schemeClr val="tx1"/>
                           </a:solidFill>
-                          <a:latin typeface="Helvetica" panose="020B0604020202020204" pitchFamily="34" charset="0"/>
+                          <a:latin typeface="Garamond" panose="02020404030301010803" pitchFamily="18" charset="0"/>
                           <a:ea typeface="ＭＳ Ｐゴシック" charset="-128"/>
                           <a:cs typeface="Helvetica" panose="020B0604020202020204" pitchFamily="34" charset="0"/>
                         </a:rPr>
@@ -6964,7 +6934,7 @@
                           <a:solidFill>
                             <a:schemeClr val="tx1"/>
                           </a:solidFill>
-                          <a:latin typeface="Helvetica" panose="020B0604020202020204" pitchFamily="34" charset="0"/>
+                          <a:latin typeface="Garamond" panose="02020404030301010803" pitchFamily="18" charset="0"/>
                           <a:ea typeface="ＭＳ Ｐゴシック" charset="-128"/>
                           <a:cs typeface="Helvetica" panose="020B0604020202020204" pitchFamily="34" charset="0"/>
                         </a:rPr>
@@ -6975,7 +6945,7 @@
                           <a:solidFill>
                             <a:schemeClr val="tx1"/>
                           </a:solidFill>
-                          <a:latin typeface="Helvetica" panose="020B0604020202020204" pitchFamily="34" charset="0"/>
+                          <a:latin typeface="Garamond" panose="02020404030301010803" pitchFamily="18" charset="0"/>
                           <a:ea typeface="ＭＳ Ｐゴシック" charset="-128"/>
                           <a:cs typeface="Helvetica" panose="020B0604020202020204" pitchFamily="34" charset="0"/>
                         </a:rPr>
@@ -6985,7 +6955,7 @@
                         <a:solidFill>
                           <a:schemeClr val="tx1"/>
                         </a:solidFill>
-                        <a:latin typeface="Helvetica" panose="020B0604020202020204" pitchFamily="34" charset="0"/>
+                        <a:latin typeface="Garamond" panose="02020404030301010803" pitchFamily="18" charset="0"/>
                         <a:ea typeface="ＭＳ Ｐゴシック" charset="-128"/>
                         <a:cs typeface="Helvetica" panose="020B0604020202020204" pitchFamily="34" charset="0"/>
                       </a:endParaRPr>
@@ -7009,7 +6979,7 @@
                           <a:solidFill>
                             <a:schemeClr val="tx1"/>
                           </a:solidFill>
-                          <a:latin typeface="Helvetica" panose="020B0604020202020204" pitchFamily="34" charset="0"/>
+                          <a:latin typeface="Garamond" panose="02020404030301010803" pitchFamily="18" charset="0"/>
                           <a:ea typeface="ＭＳ Ｐゴシック" charset="-128"/>
                           <a:cs typeface="Helvetica" panose="020B0604020202020204" pitchFamily="34" charset="0"/>
                         </a:rPr>
@@ -7020,7 +6990,7 @@
                           <a:solidFill>
                             <a:schemeClr val="tx1"/>
                           </a:solidFill>
-                          <a:latin typeface="Helvetica" panose="020B0604020202020204" pitchFamily="34" charset="0"/>
+                          <a:latin typeface="Garamond" panose="02020404030301010803" pitchFamily="18" charset="0"/>
                           <a:ea typeface="ＭＳ Ｐゴシック" charset="-128"/>
                           <a:cs typeface="Helvetica" panose="020B0604020202020204" pitchFamily="34" charset="0"/>
                         </a:rPr>
@@ -7030,7 +7000,7 @@
                         <a:solidFill>
                           <a:schemeClr val="tx1"/>
                         </a:solidFill>
-                        <a:latin typeface="Helvetica" panose="020B0604020202020204" pitchFamily="34" charset="0"/>
+                        <a:latin typeface="Garamond" panose="02020404030301010803" pitchFamily="18" charset="0"/>
                         <a:ea typeface="ＭＳ Ｐゴシック" charset="-128"/>
                         <a:cs typeface="Helvetica" panose="020B0604020202020204" pitchFamily="34" charset="0"/>
                       </a:endParaRPr>
@@ -7054,7 +7024,7 @@
                           <a:solidFill>
                             <a:schemeClr val="tx1"/>
                           </a:solidFill>
-                          <a:latin typeface="Helvetica" panose="020B0604020202020204" pitchFamily="34" charset="0"/>
+                          <a:latin typeface="Garamond" panose="02020404030301010803" pitchFamily="18" charset="0"/>
                           <a:ea typeface="ＭＳ Ｐゴシック" charset="-128"/>
                           <a:cs typeface="Helvetica" panose="020B0604020202020204" pitchFamily="34" charset="0"/>
                         </a:rPr>
@@ -7080,7 +7050,7 @@
                           <a:solidFill>
                             <a:schemeClr val="tx1"/>
                           </a:solidFill>
-                          <a:latin typeface="Helvetica" panose="020B0604020202020204" pitchFamily="34" charset="0"/>
+                          <a:latin typeface="Garamond" panose="02020404030301010803" pitchFamily="18" charset="0"/>
                           <a:ea typeface="ＭＳ Ｐゴシック" charset="-128"/>
                           <a:cs typeface="Helvetica" panose="020B0604020202020204" pitchFamily="34" charset="0"/>
                         </a:rPr>
@@ -7091,7 +7061,7 @@
                           <a:solidFill>
                             <a:schemeClr val="tx1"/>
                           </a:solidFill>
-                          <a:latin typeface="Helvetica" panose="020B0604020202020204" pitchFamily="34" charset="0"/>
+                          <a:latin typeface="Garamond" panose="02020404030301010803" pitchFamily="18" charset="0"/>
                           <a:ea typeface="ＭＳ Ｐゴシック" charset="-128"/>
                           <a:cs typeface="Helvetica" panose="020B0604020202020204" pitchFamily="34" charset="0"/>
                         </a:rPr>
@@ -7103,7 +7073,7 @@
                 </a:tc>
                 <a:extLst>
                   <a:ext uri="{0D108BD9-81ED-4DB2-BD59-A6C34878D82A}">
-                    <a16:rowId xmlns:a16="http://schemas.microsoft.com/office/drawing/2014/main" val="10000"/>
+                    <a16:rowId xmlns:a16="http://schemas.microsoft.com/office/drawing/2014/main" xmlns="" val="10000"/>
                   </a:ext>
                 </a:extLst>
               </a:tr>
@@ -7155,13 +7125,13 @@
           <a:p>
             <a:r>
               <a:rPr lang="en-US" sz="2800" dirty="0" smtClean="0">
-                <a:latin typeface="Helvetica" panose="020B0604020202020204" pitchFamily="34" charset="0"/>
+                <a:latin typeface="Garamond" panose="02020404030301010803" pitchFamily="18" charset="0"/>
                 <a:cs typeface="Helvetica" panose="020B0604020202020204" pitchFamily="34" charset="0"/>
               </a:rPr>
               <a:t>Water cooled 240 amp brushless DC motor</a:t>
             </a:r>
             <a:endParaRPr lang="en-US" sz="2800" dirty="0">
-              <a:latin typeface="Helvetica" panose="020B0604020202020204" pitchFamily="34" charset="0"/>
+              <a:latin typeface="Garamond" panose="02020404030301010803" pitchFamily="18" charset="0"/>
               <a:cs typeface="Helvetica" panose="020B0604020202020204" pitchFamily="34" charset="0"/>
             </a:endParaRPr>
           </a:p>
@@ -7211,20 +7181,13 @@
           <a:p>
             <a:r>
               <a:rPr lang="en-US" sz="2800" dirty="0" smtClean="0">
-                <a:latin typeface="Helvetica" panose="020B0604020202020204" pitchFamily="34" charset="0"/>
+                <a:latin typeface="Garamond" panose="02020404030301010803" pitchFamily="18" charset="0"/>
                 <a:cs typeface="Helvetica" panose="020B0604020202020204" pitchFamily="34" charset="0"/>
               </a:rPr>
-              <a:t>Load cell for live shaft torque </a:t>
-            </a:r>
-            <a:r>
-              <a:rPr lang="en-US" sz="2800" dirty="0" smtClean="0">
-                <a:latin typeface="Helvetica" panose="020B0604020202020204" pitchFamily="34" charset="0"/>
-                <a:cs typeface="Helvetica" panose="020B0604020202020204" pitchFamily="34" charset="0"/>
-              </a:rPr>
-              <a:t>measurement </a:t>
+              <a:t>Load cell for live shaft torque measurement </a:t>
             </a:r>
             <a:endParaRPr lang="en-US" sz="2800" dirty="0">
-              <a:latin typeface="Helvetica" panose="020B0604020202020204" pitchFamily="34" charset="0"/>
+              <a:latin typeface="Garamond" panose="02020404030301010803" pitchFamily="18" charset="0"/>
               <a:cs typeface="Helvetica" panose="020B0604020202020204" pitchFamily="34" charset="0"/>
             </a:endParaRPr>
           </a:p>
@@ -7274,13 +7237,13 @@
           <a:p>
             <a:r>
               <a:rPr lang="en-US" sz="2800" dirty="0" smtClean="0">
-                <a:latin typeface="Helvetica" panose="020B0604020202020204" pitchFamily="34" charset="0"/>
+                <a:latin typeface="Garamond" panose="02020404030301010803" pitchFamily="18" charset="0"/>
                 <a:cs typeface="Helvetica" panose="020B0604020202020204" pitchFamily="34" charset="0"/>
               </a:rPr>
               <a:t>Floating motor mount</a:t>
             </a:r>
             <a:endParaRPr lang="en-US" sz="2800" dirty="0">
-              <a:latin typeface="Helvetica" panose="020B0604020202020204" pitchFamily="34" charset="0"/>
+              <a:latin typeface="Garamond" panose="02020404030301010803" pitchFamily="18" charset="0"/>
               <a:cs typeface="Helvetica" panose="020B0604020202020204" pitchFamily="34" charset="0"/>
             </a:endParaRPr>
           </a:p>
@@ -7330,13 +7293,13 @@
           <a:p>
             <a:r>
               <a:rPr lang="en-US" sz="2800" dirty="0" smtClean="0">
-                <a:latin typeface="Helvetica" panose="020B0604020202020204" pitchFamily="34" charset="0"/>
+                <a:latin typeface="Garamond" panose="02020404030301010803" pitchFamily="18" charset="0"/>
                 <a:cs typeface="Helvetica" panose="020B0604020202020204" pitchFamily="34" charset="0"/>
               </a:rPr>
               <a:t>Thrust and radial load bearings</a:t>
             </a:r>
             <a:endParaRPr lang="en-US" sz="2800" dirty="0">
-              <a:latin typeface="Helvetica" panose="020B0604020202020204" pitchFamily="34" charset="0"/>
+              <a:latin typeface="Garamond" panose="02020404030301010803" pitchFamily="18" charset="0"/>
               <a:cs typeface="Helvetica" panose="020B0604020202020204" pitchFamily="34" charset="0"/>
             </a:endParaRPr>
           </a:p>
@@ -7386,13 +7349,13 @@
           <a:p>
             <a:r>
               <a:rPr lang="en-US" sz="2800" dirty="0" smtClean="0">
-                <a:latin typeface="Helvetica" panose="020B0604020202020204" pitchFamily="34" charset="0"/>
+                <a:latin typeface="Garamond" panose="02020404030301010803" pitchFamily="18" charset="0"/>
                 <a:cs typeface="Helvetica" panose="020B0604020202020204" pitchFamily="34" charset="0"/>
               </a:rPr>
               <a:t>Shaft seal and Rulon bushing</a:t>
             </a:r>
             <a:endParaRPr lang="en-US" sz="2800" dirty="0">
-              <a:latin typeface="Helvetica" panose="020B0604020202020204" pitchFamily="34" charset="0"/>
+              <a:latin typeface="Garamond" panose="02020404030301010803" pitchFamily="18" charset="0"/>
               <a:cs typeface="Helvetica" panose="020B0604020202020204" pitchFamily="34" charset="0"/>
             </a:endParaRPr>
           </a:p>
@@ -7442,13 +7405,13 @@
           <a:p>
             <a:r>
               <a:rPr lang="en-US" sz="2800" dirty="0" smtClean="0">
-                <a:latin typeface="Helvetica" panose="020B0604020202020204" pitchFamily="34" charset="0"/>
+                <a:latin typeface="Garamond" panose="02020404030301010803" pitchFamily="18" charset="0"/>
                 <a:cs typeface="Helvetica" panose="020B0604020202020204" pitchFamily="34" charset="0"/>
               </a:rPr>
               <a:t>Inlet</a:t>
             </a:r>
             <a:endParaRPr lang="en-US" sz="2800" dirty="0">
-              <a:latin typeface="Helvetica" panose="020B0604020202020204" pitchFamily="34" charset="0"/>
+              <a:latin typeface="Garamond" panose="02020404030301010803" pitchFamily="18" charset="0"/>
               <a:cs typeface="Helvetica" panose="020B0604020202020204" pitchFamily="34" charset="0"/>
             </a:endParaRPr>
           </a:p>
@@ -7498,27 +7461,27 @@
           <a:p>
             <a:r>
               <a:rPr lang="en-US" sz="2800" dirty="0" smtClean="0">
-                <a:latin typeface="Helvetica" panose="020B0604020202020204" pitchFamily="34" charset="0"/>
+                <a:latin typeface="Garamond" panose="02020404030301010803" pitchFamily="18" charset="0"/>
                 <a:cs typeface="Helvetica" panose="020B0604020202020204" pitchFamily="34" charset="0"/>
               </a:rPr>
               <a:t>Barske straight blade </a:t>
             </a:r>
             <a:r>
               <a:rPr lang="en-US" sz="2800" dirty="0">
-                <a:latin typeface="Helvetica" panose="020B0604020202020204" pitchFamily="34" charset="0"/>
+                <a:latin typeface="Garamond" panose="02020404030301010803" pitchFamily="18" charset="0"/>
                 <a:cs typeface="Helvetica" panose="020B0604020202020204" pitchFamily="34" charset="0"/>
               </a:rPr>
               <a:t>i</a:t>
             </a:r>
             <a:r>
               <a:rPr lang="en-US" sz="2800" dirty="0" smtClean="0">
-                <a:latin typeface="Helvetica" panose="020B0604020202020204" pitchFamily="34" charset="0"/>
+                <a:latin typeface="Garamond" panose="02020404030301010803" pitchFamily="18" charset="0"/>
                 <a:cs typeface="Helvetica" panose="020B0604020202020204" pitchFamily="34" charset="0"/>
               </a:rPr>
               <a:t>mpeller </a:t>
             </a:r>
             <a:endParaRPr lang="en-US" sz="2800" dirty="0">
-              <a:latin typeface="Helvetica" panose="020B0604020202020204" pitchFamily="34" charset="0"/>
+              <a:latin typeface="Garamond" panose="02020404030301010803" pitchFamily="18" charset="0"/>
               <a:cs typeface="Helvetica" panose="020B0604020202020204" pitchFamily="34" charset="0"/>
             </a:endParaRPr>
           </a:p>
@@ -7568,13 +7531,13 @@
           <a:p>
             <a:r>
               <a:rPr lang="en-US" sz="2800" dirty="0" smtClean="0">
-                <a:latin typeface="Helvetica" panose="020B0604020202020204" pitchFamily="34" charset="0"/>
+                <a:latin typeface="Garamond" panose="02020404030301010803" pitchFamily="18" charset="0"/>
                 <a:cs typeface="Helvetica" panose="020B0604020202020204" pitchFamily="34" charset="0"/>
               </a:rPr>
               <a:t>O-ring seal</a:t>
             </a:r>
             <a:endParaRPr lang="en-US" sz="2800" dirty="0">
-              <a:latin typeface="Helvetica" panose="020B0604020202020204" pitchFamily="34" charset="0"/>
+              <a:latin typeface="Garamond" panose="02020404030301010803" pitchFamily="18" charset="0"/>
               <a:cs typeface="Helvetica" panose="020B0604020202020204" pitchFamily="34" charset="0"/>
             </a:endParaRPr>
           </a:p>
@@ -7880,13 +7843,13 @@
           <a:p>
             <a:r>
               <a:rPr lang="en-US" sz="2800" dirty="0" smtClean="0">
-                <a:latin typeface="Helvetica" panose="020B0604020202020204" pitchFamily="34" charset="0"/>
+                <a:latin typeface="Garamond" panose="02020404030301010803" pitchFamily="18" charset="0"/>
                 <a:cs typeface="Helvetica" panose="020B0604020202020204" pitchFamily="34" charset="0"/>
               </a:rPr>
               <a:t>Interchangeable diffusers</a:t>
             </a:r>
             <a:endParaRPr lang="en-US" sz="2800" dirty="0">
-              <a:latin typeface="Helvetica" panose="020B0604020202020204" pitchFamily="34" charset="0"/>
+              <a:latin typeface="Garamond" panose="02020404030301010803" pitchFamily="18" charset="0"/>
               <a:cs typeface="Helvetica" panose="020B0604020202020204" pitchFamily="34" charset="0"/>
             </a:endParaRPr>
           </a:p>
@@ -7971,7 +7934,7 @@
         <p:spPr>
           <a:xfrm>
             <a:off x="12385461" y="17232148"/>
-            <a:ext cx="5180675" cy="3108543"/>
+            <a:ext cx="5180675" cy="2677656"/>
           </a:xfrm>
           <a:prstGeom prst="rect">
             <a:avLst/>
@@ -8006,7 +7969,7 @@
           <a:p>
             <a:r>
               <a:rPr lang="en-US" sz="2800" b="1" dirty="0" smtClean="0">
-                <a:latin typeface="Helvetica" panose="020B0604020202020204" pitchFamily="34" charset="0"/>
+                <a:latin typeface="Garamond" panose="02020404030301010803" pitchFamily="18" charset="0"/>
                 <a:cs typeface="Helvetica" panose="020B0604020202020204" pitchFamily="34" charset="0"/>
               </a:rPr>
               <a:t>Impellers</a:t>
@@ -8015,41 +7978,41 @@
           <a:p>
             <a:r>
               <a:rPr lang="en-US" sz="2800" dirty="0" smtClean="0">
-                <a:latin typeface="Helvetica" panose="020B0604020202020204" pitchFamily="34" charset="0"/>
+                <a:latin typeface="Garamond" panose="02020404030301010803" pitchFamily="18" charset="0"/>
                 <a:cs typeface="Helvetica" panose="020B0604020202020204" pitchFamily="34" charset="0"/>
               </a:rPr>
               <a:t>We chose to use unorthodox Barske straight blade impellers to meet our unusual high head, low flow requirements. Three designs </a:t>
             </a:r>
             <a:r>
               <a:rPr lang="en-US" sz="2800" dirty="0">
-                <a:latin typeface="Helvetica" panose="020B0604020202020204" pitchFamily="34" charset="0"/>
+                <a:latin typeface="Garamond" panose="02020404030301010803" pitchFamily="18" charset="0"/>
                 <a:cs typeface="Helvetica" panose="020B0604020202020204" pitchFamily="34" charset="0"/>
               </a:rPr>
               <a:t>were </a:t>
             </a:r>
             <a:r>
               <a:rPr lang="en-US" sz="2800" dirty="0" smtClean="0">
-                <a:latin typeface="Helvetica" panose="020B0604020202020204" pitchFamily="34" charset="0"/>
+                <a:latin typeface="Garamond" panose="02020404030301010803" pitchFamily="18" charset="0"/>
                 <a:cs typeface="Helvetica" panose="020B0604020202020204" pitchFamily="34" charset="0"/>
               </a:rPr>
               <a:t>3D printed </a:t>
             </a:r>
             <a:r>
               <a:rPr lang="en-US" sz="2800" dirty="0">
-                <a:latin typeface="Helvetica" panose="020B0604020202020204" pitchFamily="34" charset="0"/>
+                <a:latin typeface="Garamond" panose="02020404030301010803" pitchFamily="18" charset="0"/>
                 <a:cs typeface="Helvetica" panose="020B0604020202020204" pitchFamily="34" charset="0"/>
               </a:rPr>
               <a:t>in stainless steel</a:t>
             </a:r>
             <a:r>
               <a:rPr lang="en-US" sz="2800" dirty="0" smtClean="0">
-                <a:latin typeface="Helvetica" panose="020B0604020202020204" pitchFamily="34" charset="0"/>
+                <a:latin typeface="Garamond" panose="02020404030301010803" pitchFamily="18" charset="0"/>
                 <a:cs typeface="Helvetica" panose="020B0604020202020204" pitchFamily="34" charset="0"/>
               </a:rPr>
               <a:t>.</a:t>
             </a:r>
             <a:endParaRPr lang="en-US" sz="2800" dirty="0">
-              <a:latin typeface="Helvetica" panose="020B0604020202020204" pitchFamily="34" charset="0"/>
+              <a:latin typeface="Garamond" panose="02020404030301010803" pitchFamily="18" charset="0"/>
               <a:cs typeface="Helvetica" panose="020B0604020202020204" pitchFamily="34" charset="0"/>
             </a:endParaRPr>
           </a:p>
@@ -8099,7 +8062,7 @@
           <a:p>
             <a:r>
               <a:rPr lang="en-US" sz="2800" b="1" dirty="0" smtClean="0">
-                <a:latin typeface="Helvetica" panose="020B0604020202020204" pitchFamily="34" charset="0"/>
+                <a:latin typeface="Garamond" panose="02020404030301010803" pitchFamily="18" charset="0"/>
                 <a:cs typeface="Helvetica" panose="020B0604020202020204" pitchFamily="34" charset="0"/>
               </a:rPr>
               <a:t>Experiment design</a:t>
@@ -8108,7 +8071,7 @@
           <a:p>
             <a:r>
               <a:rPr lang="en-US" sz="2800" dirty="0" smtClean="0">
-                <a:latin typeface="Helvetica" panose="020B0604020202020204" pitchFamily="34" charset="0"/>
+                <a:latin typeface="Garamond" panose="02020404030301010803" pitchFamily="18" charset="0"/>
                 <a:cs typeface="Helvetica" panose="020B0604020202020204" pitchFamily="34" charset="0"/>
               </a:rPr>
               <a:t>In order to test our pump, we needed an elaborate testing rig.</a:t>
@@ -8121,7 +8084,7 @@
             </a:pPr>
             <a:r>
               <a:rPr lang="en-US" sz="2800" dirty="0" smtClean="0">
-                <a:latin typeface="Helvetica" panose="020B0604020202020204" pitchFamily="34" charset="0"/>
+                <a:latin typeface="Garamond" panose="02020404030301010803" pitchFamily="18" charset="0"/>
                 <a:cs typeface="Helvetica" panose="020B0604020202020204" pitchFamily="34" charset="0"/>
               </a:rPr>
               <a:t>Arduino microcontroller used for motor control and data acquisition.</a:t>
@@ -8134,10 +8097,31 @@
             </a:pPr>
             <a:r>
               <a:rPr lang="en-US" sz="2800" dirty="0" smtClean="0">
-                <a:latin typeface="Helvetica" panose="020B0604020202020204" pitchFamily="34" charset="0"/>
+                <a:latin typeface="Garamond" panose="02020404030301010803" pitchFamily="18" charset="0"/>
                 <a:cs typeface="Helvetica" panose="020B0604020202020204" pitchFamily="34" charset="0"/>
               </a:rPr>
-              <a:t>Values monitored: Suction (inlet), discharge, volute and seal cavity pressures, RPM, flow rate, shaft torque.</a:t>
+              <a:t>Values monitored: Suction </a:t>
+            </a:r>
+            <a:r>
+              <a:rPr lang="en-US" sz="2800" dirty="0" smtClean="0">
+                <a:latin typeface="Garamond" panose="02020404030301010803" pitchFamily="18" charset="0"/>
+                <a:cs typeface="Helvetica" panose="020B0604020202020204" pitchFamily="34" charset="0"/>
+              </a:rPr>
+              <a:t>pressure</a:t>
+            </a:r>
+            <a:r>
+              <a:rPr lang="en-US" sz="2800" dirty="0" smtClean="0">
+                <a:latin typeface="Garamond" panose="02020404030301010803" pitchFamily="18" charset="0"/>
+                <a:cs typeface="Helvetica" panose="020B0604020202020204" pitchFamily="34" charset="0"/>
+              </a:rPr>
+              <a:t>, discharge pressure, </a:t>
+            </a:r>
+            <a:r>
+              <a:rPr lang="en-US" sz="2800" dirty="0" smtClean="0">
+                <a:latin typeface="Garamond" panose="02020404030301010803" pitchFamily="18" charset="0"/>
+                <a:cs typeface="Helvetica" panose="020B0604020202020204" pitchFamily="34" charset="0"/>
+              </a:rPr>
+              <a:t>volute and seal cavity pressures, RPM, flow rate, shaft torque.</a:t>
             </a:r>
           </a:p>
           <a:p>
@@ -8147,10 +8131,24 @@
             </a:pPr>
             <a:r>
               <a:rPr lang="en-US" sz="2800" dirty="0" smtClean="0">
-                <a:latin typeface="Helvetica" panose="020B0604020202020204" pitchFamily="34" charset="0"/>
+                <a:latin typeface="Garamond" panose="02020404030301010803" pitchFamily="18" charset="0"/>
                 <a:cs typeface="Helvetica" panose="020B0604020202020204" pitchFamily="34" charset="0"/>
               </a:rPr>
-              <a:t>Inlet pressure (~45 psi) provided via a 42 gallon water tank kept at constant pressure via a pressure regulator.</a:t>
+              <a:t>Inlet pressure (~45 psi) provided via a 42 gallon water tank kept at constant pressure via </a:t>
+            </a:r>
+            <a:r>
+              <a:rPr lang="en-US" sz="2800" dirty="0" smtClean="0">
+                <a:latin typeface="Garamond" panose="02020404030301010803" pitchFamily="18" charset="0"/>
+                <a:cs typeface="Helvetica" panose="020B0604020202020204" pitchFamily="34" charset="0"/>
+              </a:rPr>
+              <a:t>a </a:t>
+            </a:r>
+            <a:r>
+              <a:rPr lang="en-US" sz="2800" dirty="0" smtClean="0">
+                <a:latin typeface="Garamond" panose="02020404030301010803" pitchFamily="18" charset="0"/>
+                <a:cs typeface="Helvetica" panose="020B0604020202020204" pitchFamily="34" charset="0"/>
+              </a:rPr>
+              <a:t>pressure regulator.</a:t>
             </a:r>
           </a:p>
           <a:p>
@@ -8160,407 +8158,11 @@
             </a:pPr>
             <a:r>
               <a:rPr lang="en-US" sz="2800" dirty="0" smtClean="0">
-                <a:latin typeface="Helvetica" panose="020B0604020202020204" pitchFamily="34" charset="0"/>
+                <a:latin typeface="Garamond" panose="02020404030301010803" pitchFamily="18" charset="0"/>
                 <a:cs typeface="Helvetica" panose="020B0604020202020204" pitchFamily="34" charset="0"/>
               </a:rPr>
               <a:t>Motor and speed controller water cooled .</a:t>
             </a:r>
-          </a:p>
-        </p:txBody>
-      </p:sp>
-      <p:sp>
-        <p:nvSpPr>
-          <p:cNvPr id="56" name="Text Box 7"/>
-          <p:cNvSpPr txBox="1">
-            <a:spLocks noChangeArrowheads="1"/>
-          </p:cNvSpPr>
-          <p:nvPr/>
-        </p:nvSpPr>
-        <p:spPr bwMode="auto">
-          <a:xfrm>
-            <a:off x="-11990717" y="9452851"/>
-            <a:ext cx="10012680" cy="8804808"/>
-          </a:xfrm>
-          <a:prstGeom prst="rect">
-            <a:avLst/>
-          </a:prstGeom>
-          <a:solidFill>
-            <a:schemeClr val="bg1"/>
-          </a:solidFill>
-          <a:ln w="38100">
-            <a:solidFill>
-              <a:srgbClr val="000000"/>
-            </a:solidFill>
-            <a:round/>
-            <a:headEnd/>
-            <a:tailEnd/>
-          </a:ln>
-        </p:spPr>
-        <p:txBody>
-          <a:bodyPr lIns="783771" tIns="391886" rIns="783771" bIns="783771"/>
-          <a:lstStyle>
-            <a:lvl1pPr eaLnBrk="0" hangingPunct="0">
-              <a:tabLst>
-                <a:tab pos="500063" algn="l"/>
-              </a:tabLst>
-              <a:defRPr sz="3200">
-                <a:solidFill>
-                  <a:schemeClr val="tx1"/>
-                </a:solidFill>
-                <a:latin typeface="Helvetica" charset="0"/>
-                <a:ea typeface="ＭＳ Ｐゴシック" charset="-128"/>
-              </a:defRPr>
-            </a:lvl1pPr>
-            <a:lvl2pPr marL="742950" indent="-285750" eaLnBrk="0" hangingPunct="0">
-              <a:tabLst>
-                <a:tab pos="500063" algn="l"/>
-              </a:tabLst>
-              <a:defRPr sz="3200">
-                <a:solidFill>
-                  <a:schemeClr val="tx1"/>
-                </a:solidFill>
-                <a:latin typeface="Helvetica" charset="0"/>
-                <a:ea typeface="ＭＳ Ｐゴシック" charset="-128"/>
-              </a:defRPr>
-            </a:lvl2pPr>
-            <a:lvl3pPr marL="1143000" indent="-228600" eaLnBrk="0" hangingPunct="0">
-              <a:tabLst>
-                <a:tab pos="500063" algn="l"/>
-              </a:tabLst>
-              <a:defRPr sz="3200">
-                <a:solidFill>
-                  <a:schemeClr val="tx1"/>
-                </a:solidFill>
-                <a:latin typeface="Helvetica" charset="0"/>
-                <a:ea typeface="ＭＳ Ｐゴシック" charset="-128"/>
-              </a:defRPr>
-            </a:lvl3pPr>
-            <a:lvl4pPr marL="1600200" indent="-228600" eaLnBrk="0" hangingPunct="0">
-              <a:tabLst>
-                <a:tab pos="500063" algn="l"/>
-              </a:tabLst>
-              <a:defRPr sz="3200">
-                <a:solidFill>
-                  <a:schemeClr val="tx1"/>
-                </a:solidFill>
-                <a:latin typeface="Helvetica" charset="0"/>
-                <a:ea typeface="ＭＳ Ｐゴシック" charset="-128"/>
-              </a:defRPr>
-            </a:lvl4pPr>
-            <a:lvl5pPr marL="2057400" indent="-228600" eaLnBrk="0" hangingPunct="0">
-              <a:tabLst>
-                <a:tab pos="500063" algn="l"/>
-              </a:tabLst>
-              <a:defRPr sz="3200">
-                <a:solidFill>
-                  <a:schemeClr val="tx1"/>
-                </a:solidFill>
-                <a:latin typeface="Helvetica" charset="0"/>
-                <a:ea typeface="ＭＳ Ｐゴシック" charset="-128"/>
-              </a:defRPr>
-            </a:lvl5pPr>
-            <a:lvl6pPr marL="2514600" indent="-228600" eaLnBrk="0" fontAlgn="base" hangingPunct="0">
-              <a:spcBef>
-                <a:spcPct val="0"/>
-              </a:spcBef>
-              <a:spcAft>
-                <a:spcPct val="0"/>
-              </a:spcAft>
-              <a:tabLst>
-                <a:tab pos="500063" algn="l"/>
-              </a:tabLst>
-              <a:defRPr sz="3200">
-                <a:solidFill>
-                  <a:schemeClr val="tx1"/>
-                </a:solidFill>
-                <a:latin typeface="Helvetica" charset="0"/>
-                <a:ea typeface="ＭＳ Ｐゴシック" charset="-128"/>
-              </a:defRPr>
-            </a:lvl6pPr>
-            <a:lvl7pPr marL="2971800" indent="-228600" eaLnBrk="0" fontAlgn="base" hangingPunct="0">
-              <a:spcBef>
-                <a:spcPct val="0"/>
-              </a:spcBef>
-              <a:spcAft>
-                <a:spcPct val="0"/>
-              </a:spcAft>
-              <a:tabLst>
-                <a:tab pos="500063" algn="l"/>
-              </a:tabLst>
-              <a:defRPr sz="3200">
-                <a:solidFill>
-                  <a:schemeClr val="tx1"/>
-                </a:solidFill>
-                <a:latin typeface="Helvetica" charset="0"/>
-                <a:ea typeface="ＭＳ Ｐゴシック" charset="-128"/>
-              </a:defRPr>
-            </a:lvl7pPr>
-            <a:lvl8pPr marL="3429000" indent="-228600" eaLnBrk="0" fontAlgn="base" hangingPunct="0">
-              <a:spcBef>
-                <a:spcPct val="0"/>
-              </a:spcBef>
-              <a:spcAft>
-                <a:spcPct val="0"/>
-              </a:spcAft>
-              <a:tabLst>
-                <a:tab pos="500063" algn="l"/>
-              </a:tabLst>
-              <a:defRPr sz="3200">
-                <a:solidFill>
-                  <a:schemeClr val="tx1"/>
-                </a:solidFill>
-                <a:latin typeface="Helvetica" charset="0"/>
-                <a:ea typeface="ＭＳ Ｐゴシック" charset="-128"/>
-              </a:defRPr>
-            </a:lvl8pPr>
-            <a:lvl9pPr marL="3886200" indent="-228600" eaLnBrk="0" fontAlgn="base" hangingPunct="0">
-              <a:spcBef>
-                <a:spcPct val="0"/>
-              </a:spcBef>
-              <a:spcAft>
-                <a:spcPct val="0"/>
-              </a:spcAft>
-              <a:tabLst>
-                <a:tab pos="500063" algn="l"/>
-              </a:tabLst>
-              <a:defRPr sz="3200">
-                <a:solidFill>
-                  <a:schemeClr val="tx1"/>
-                </a:solidFill>
-                <a:latin typeface="Helvetica" charset="0"/>
-                <a:ea typeface="ＭＳ Ｐゴシック" charset="-128"/>
-              </a:defRPr>
-            </a:lvl9pPr>
-          </a:lstStyle>
-          <a:p>
-            <a:pPr algn="just" eaLnBrk="1" hangingPunct="1">
-              <a:spcBef>
-                <a:spcPct val="50000"/>
-              </a:spcBef>
-            </a:pPr>
-            <a:r>
-              <a:rPr lang="en-US" altLang="x-none" sz="4400" b="1" dirty="0" smtClean="0">
-                <a:latin typeface="Helvetica" panose="020B0604020202020204" pitchFamily="34" charset="0"/>
-                <a:cs typeface="Helvetica" panose="020B0604020202020204" pitchFamily="34" charset="0"/>
-              </a:rPr>
-              <a:t>Motivation</a:t>
-            </a:r>
-          </a:p>
-          <a:p>
-            <a:pPr algn="just" eaLnBrk="1" hangingPunct="1">
-              <a:spcBef>
-                <a:spcPct val="50000"/>
-              </a:spcBef>
-            </a:pPr>
-            <a:endParaRPr lang="en-US" altLang="x-none" sz="2400" i="1" dirty="0" smtClean="0">
-              <a:solidFill>
-                <a:schemeClr val="accent2"/>
-              </a:solidFill>
-              <a:latin typeface="Helvetica" panose="020B0604020202020204" pitchFamily="34" charset="0"/>
-              <a:cs typeface="Helvetica" panose="020B0604020202020204" pitchFamily="34" charset="0"/>
-            </a:endParaRPr>
-          </a:p>
-          <a:p>
-            <a:r>
-              <a:rPr lang="en-US" sz="2800" dirty="0" smtClean="0">
-                <a:latin typeface="Helvetica" panose="020B0604020202020204" pitchFamily="34" charset="0"/>
-                <a:cs typeface="Helvetica" panose="020B0604020202020204" pitchFamily="34" charset="0"/>
-              </a:rPr>
-              <a:t>Historically, the technology used to deliver liquid propellant into a rocket’s combustion chamber has been to use complex </a:t>
-            </a:r>
-            <a:r>
-              <a:rPr lang="en-US" sz="2800" dirty="0" err="1" smtClean="0">
-                <a:latin typeface="Helvetica" panose="020B0604020202020204" pitchFamily="34" charset="0"/>
-                <a:cs typeface="Helvetica" panose="020B0604020202020204" pitchFamily="34" charset="0"/>
-              </a:rPr>
-              <a:t>turbopumps</a:t>
-            </a:r>
-            <a:r>
-              <a:rPr lang="en-US" sz="2800" dirty="0" smtClean="0">
-                <a:latin typeface="Helvetica" panose="020B0604020202020204" pitchFamily="34" charset="0"/>
-                <a:cs typeface="Helvetica" panose="020B0604020202020204" pitchFamily="34" charset="0"/>
-              </a:rPr>
-              <a:t> or heavy pressurized gas </a:t>
-            </a:r>
-            <a:r>
-              <a:rPr lang="en-US" sz="2800" dirty="0" smtClean="0">
-                <a:latin typeface="Helvetica" panose="020B0604020202020204" pitchFamily="34" charset="0"/>
-                <a:cs typeface="Helvetica" panose="020B0604020202020204" pitchFamily="34" charset="0"/>
-              </a:rPr>
-              <a:t>tanks. </a:t>
-            </a:r>
-            <a:r>
-              <a:rPr lang="en-US" sz="2800" dirty="0" smtClean="0">
-                <a:latin typeface="Helvetica" panose="020B0604020202020204" pitchFamily="34" charset="0"/>
-                <a:cs typeface="Helvetica" panose="020B0604020202020204" pitchFamily="34" charset="0"/>
-              </a:rPr>
-              <a:t>Recent advances in battery technology may allow an electric motor powered rocket propellant pump to compete with the effectiveness of a </a:t>
-            </a:r>
-            <a:r>
-              <a:rPr lang="en-US" sz="2800" dirty="0" err="1" smtClean="0">
-                <a:latin typeface="Helvetica" panose="020B0604020202020204" pitchFamily="34" charset="0"/>
-                <a:cs typeface="Helvetica" panose="020B0604020202020204" pitchFamily="34" charset="0"/>
-              </a:rPr>
-              <a:t>turbopump</a:t>
-            </a:r>
-            <a:r>
-              <a:rPr lang="en-US" sz="2800" dirty="0" smtClean="0">
-                <a:latin typeface="Helvetica" panose="020B0604020202020204" pitchFamily="34" charset="0"/>
-                <a:cs typeface="Helvetica" panose="020B0604020202020204" pitchFamily="34" charset="0"/>
-              </a:rPr>
-              <a:t> while weighing less than a pressure fed system.</a:t>
-            </a:r>
-          </a:p>
-          <a:p>
-            <a:endParaRPr lang="en-US" sz="2800" dirty="0">
-              <a:latin typeface="Helvetica" panose="020B0604020202020204" pitchFamily="34" charset="0"/>
-              <a:cs typeface="Helvetica" panose="020B0604020202020204" pitchFamily="34" charset="0"/>
-            </a:endParaRPr>
-          </a:p>
-          <a:p>
-            <a:r>
-              <a:rPr lang="en-US" sz="2800" dirty="0" smtClean="0">
-                <a:latin typeface="Helvetica" panose="020B0604020202020204" pitchFamily="34" charset="0"/>
-                <a:cs typeface="Helvetica" panose="020B0604020202020204" pitchFamily="34" charset="0"/>
-              </a:rPr>
-              <a:t>The open source development of an electric motor powered, high speed centrifugal pump feed system is a step forward towards making low cost bipropellant rockets capable of reaching low Earth orbit accessible to amateurs and academic rocketry groups. </a:t>
-            </a:r>
-          </a:p>
-          <a:p>
-            <a:endParaRPr lang="en-US" sz="2800" dirty="0" smtClean="0">
-              <a:latin typeface="Helvetica" panose="020B0604020202020204" pitchFamily="34" charset="0"/>
-              <a:cs typeface="Helvetica" panose="020B0604020202020204" pitchFamily="34" charset="0"/>
-            </a:endParaRPr>
-          </a:p>
-          <a:p>
-            <a:endParaRPr lang="en-US" sz="2800" dirty="0">
-              <a:latin typeface="Helvetica" panose="020B0604020202020204" pitchFamily="34" charset="0"/>
-              <a:cs typeface="Helvetica" panose="020B0604020202020204" pitchFamily="34" charset="0"/>
-            </a:endParaRPr>
-          </a:p>
-          <a:p>
-            <a:endParaRPr lang="en-US" sz="2800" dirty="0" smtClean="0">
-              <a:latin typeface="Helvetica" panose="020B0604020202020204" pitchFamily="34" charset="0"/>
-              <a:cs typeface="Helvetica" panose="020B0604020202020204" pitchFamily="34" charset="0"/>
-            </a:endParaRPr>
-          </a:p>
-          <a:p>
-            <a:r>
-              <a:rPr lang="en-US" sz="2800" dirty="0" smtClean="0">
-                <a:latin typeface="Helvetica" panose="020B0604020202020204" pitchFamily="34" charset="0"/>
-                <a:cs typeface="Helvetica" panose="020B0604020202020204" pitchFamily="34" charset="0"/>
-              </a:rPr>
-              <a:t>Historically, the </a:t>
-            </a:r>
-            <a:r>
-              <a:rPr lang="en-US" sz="2800" dirty="0">
-                <a:latin typeface="Helvetica" panose="020B0604020202020204" pitchFamily="34" charset="0"/>
-                <a:cs typeface="Helvetica" panose="020B0604020202020204" pitchFamily="34" charset="0"/>
-              </a:rPr>
-              <a:t>systems to impel propellants </a:t>
-            </a:r>
-            <a:r>
-              <a:rPr lang="en-US" sz="2800" dirty="0" smtClean="0">
-                <a:latin typeface="Helvetica" panose="020B0604020202020204" pitchFamily="34" charset="0"/>
-                <a:cs typeface="Helvetica" panose="020B0604020202020204" pitchFamily="34" charset="0"/>
-              </a:rPr>
-              <a:t>to requirements of </a:t>
-            </a:r>
-            <a:r>
-              <a:rPr lang="en-US" sz="2800" dirty="0">
-                <a:latin typeface="Helvetica" panose="020B0604020202020204" pitchFamily="34" charset="0"/>
-                <a:cs typeface="Helvetica" panose="020B0604020202020204" pitchFamily="34" charset="0"/>
-              </a:rPr>
-              <a:t>the combustion chamber of a liquid fueled rocket are based on the employment of turbo-pumps or a pressurized gas systems. The complexity and cost of these methods has made building a liquid fuel rocket financially and technically difficult for the amateur rocket community. However, </a:t>
-            </a:r>
-            <a:r>
-              <a:rPr lang="en-US" sz="2800" dirty="0" smtClean="0">
-                <a:latin typeface="Helvetica" panose="020B0604020202020204" pitchFamily="34" charset="0"/>
-                <a:cs typeface="Helvetica" panose="020B0604020202020204" pitchFamily="34" charset="0"/>
-              </a:rPr>
-              <a:t>recent technological </a:t>
-            </a:r>
-            <a:r>
-              <a:rPr lang="en-US" sz="2800" dirty="0">
-                <a:latin typeface="Helvetica" panose="020B0604020202020204" pitchFamily="34" charset="0"/>
-                <a:cs typeface="Helvetica" panose="020B0604020202020204" pitchFamily="34" charset="0"/>
-              </a:rPr>
-              <a:t>advances </a:t>
-            </a:r>
-            <a:r>
-              <a:rPr lang="en-US" sz="2800" dirty="0" smtClean="0">
-                <a:latin typeface="Helvetica" panose="020B0604020202020204" pitchFamily="34" charset="0"/>
-                <a:cs typeface="Helvetica" panose="020B0604020202020204" pitchFamily="34" charset="0"/>
-              </a:rPr>
-              <a:t>in electric </a:t>
-            </a:r>
-            <a:r>
-              <a:rPr lang="en-US" sz="2800" dirty="0">
-                <a:latin typeface="Helvetica" panose="020B0604020202020204" pitchFamily="34" charset="0"/>
-                <a:cs typeface="Helvetica" panose="020B0604020202020204" pitchFamily="34" charset="0"/>
-              </a:rPr>
-              <a:t>motors and </a:t>
-            </a:r>
-            <a:r>
-              <a:rPr lang="en-US" sz="2800" dirty="0" smtClean="0">
-                <a:latin typeface="Helvetica" panose="020B0604020202020204" pitchFamily="34" charset="0"/>
-                <a:cs typeface="Helvetica" panose="020B0604020202020204" pitchFamily="34" charset="0"/>
-              </a:rPr>
-              <a:t>batteries have </a:t>
-            </a:r>
-            <a:r>
-              <a:rPr lang="en-US" sz="2800" dirty="0">
-                <a:latin typeface="Helvetica" panose="020B0604020202020204" pitchFamily="34" charset="0"/>
-                <a:cs typeface="Helvetica" panose="020B0604020202020204" pitchFamily="34" charset="0"/>
-              </a:rPr>
-              <a:t>building small and light weight electric-pump feed systems is possible. </a:t>
-            </a:r>
-            <a:endParaRPr lang="en-US" sz="2800" dirty="0" smtClean="0">
-              <a:latin typeface="Helvetica" panose="020B0604020202020204" pitchFamily="34" charset="0"/>
-              <a:cs typeface="Helvetica" panose="020B0604020202020204" pitchFamily="34" charset="0"/>
-            </a:endParaRPr>
-          </a:p>
-          <a:p>
-            <a:endParaRPr lang="en-US" sz="2800" dirty="0">
-              <a:latin typeface="Helvetica" panose="020B0604020202020204" pitchFamily="34" charset="0"/>
-              <a:cs typeface="Helvetica" panose="020B0604020202020204" pitchFamily="34" charset="0"/>
-            </a:endParaRPr>
-          </a:p>
-          <a:p>
-            <a:r>
-              <a:rPr lang="en-US" sz="2800" dirty="0" smtClean="0">
-                <a:latin typeface="Helvetica" panose="020B0604020202020204" pitchFamily="34" charset="0"/>
-                <a:cs typeface="Helvetica" panose="020B0604020202020204" pitchFamily="34" charset="0"/>
-              </a:rPr>
-              <a:t>The </a:t>
-            </a:r>
-            <a:r>
-              <a:rPr lang="en-US" sz="2800" dirty="0">
-                <a:latin typeface="Helvetica" panose="020B0604020202020204" pitchFamily="34" charset="0"/>
-                <a:cs typeface="Helvetica" panose="020B0604020202020204" pitchFamily="34" charset="0"/>
-              </a:rPr>
-              <a:t>development and demonstration of an electronically powered, </a:t>
-            </a:r>
-            <a:r>
-              <a:rPr lang="en-US" sz="2800" dirty="0" smtClean="0">
-                <a:latin typeface="Helvetica" panose="020B0604020202020204" pitchFamily="34" charset="0"/>
-                <a:cs typeface="Helvetica" panose="020B0604020202020204" pitchFamily="34" charset="0"/>
-              </a:rPr>
-              <a:t>high-speed, </a:t>
-            </a:r>
-            <a:r>
-              <a:rPr lang="en-US" sz="2800" dirty="0">
-                <a:latin typeface="Helvetica" panose="020B0604020202020204" pitchFamily="34" charset="0"/>
-                <a:cs typeface="Helvetica" panose="020B0604020202020204" pitchFamily="34" charset="0"/>
-              </a:rPr>
-              <a:t>centrifugal pump feed system is a step forward in offering low cost, open source bipropellant rockets capable of reaching low Earth orbit to amateurs and academic rocketry groups. </a:t>
-            </a:r>
-          </a:p>
-          <a:p>
-            <a:endParaRPr lang="en-US" sz="2800" dirty="0">
-              <a:latin typeface="Helvetica" panose="020B0604020202020204" pitchFamily="34" charset="0"/>
-              <a:cs typeface="Helvetica" panose="020B0604020202020204" pitchFamily="34" charset="0"/>
-            </a:endParaRPr>
           </a:p>
         </p:txBody>
       </p:sp>

--- a/Doc/Presentations/Posters/ME493 Poster_1020pm_john_edits.pptx
+++ b/Doc/Presentations/Posters/ME493 Poster_1020pm_john_edits.pptx
@@ -852,7 +852,7 @@
               </a14:hiddenFill>
             </a:ext>
             <a:ext uri="{FAA26D3D-D897-4be2-8F04-BA451C77F1D7}">
-              <ma14:placeholderFlag xmlns="" xmlns:ma14="http://schemas.microsoft.com/office/mac/drawingml/2011/main" val="1"/>
+              <ma14:placeholderFlag xmlns:ma14="http://schemas.microsoft.com/office/mac/drawingml/2011/main" xmlns="" val="1"/>
             </a:ext>
           </a:extLst>
         </p:spPr>
@@ -3732,7 +3732,7 @@
               </a14:hiddenLine>
             </a:ext>
             <a:ext uri="{FAA26D3D-D897-4be2-8F04-BA451C77F1D7}">
-              <ma14:placeholderFlag xmlns="" xmlns:ma14="http://schemas.microsoft.com/office/mac/drawingml/2011/main" val="1"/>
+              <ma14:placeholderFlag xmlns:ma14="http://schemas.microsoft.com/office/mac/drawingml/2011/main" xmlns="" val="1"/>
             </a:ext>
           </a:extLst>
         </p:spPr>
@@ -3793,7 +3793,7 @@
               </a14:hiddenLine>
             </a:ext>
             <a:ext uri="{FAA26D3D-D897-4be2-8F04-BA451C77F1D7}">
-              <ma14:placeholderFlag xmlns="" xmlns:ma14="http://schemas.microsoft.com/office/mac/drawingml/2011/main" val="1"/>
+              <ma14:placeholderFlag xmlns:ma14="http://schemas.microsoft.com/office/mac/drawingml/2011/main" xmlns="" val="1"/>
             </a:ext>
           </a:extLst>
         </p:spPr>
@@ -4669,7 +4669,7 @@
         </p:nvSpPr>
         <p:spPr bwMode="auto">
           <a:xfrm>
-            <a:off x="29548492" y="5611189"/>
+            <a:off x="29387369" y="5611189"/>
             <a:ext cx="13280294" cy="24310011"/>
           </a:xfrm>
           <a:prstGeom prst="rect">
@@ -4902,14 +4902,14 @@
         </p:nvSpPr>
         <p:spPr bwMode="auto">
           <a:xfrm>
-            <a:off x="1045029" y="5611189"/>
-            <a:ext cx="10012680" cy="3756746"/>
+            <a:off x="1045029" y="5709999"/>
+            <a:ext cx="10012680" cy="1221743"/>
           </a:xfrm>
           <a:prstGeom prst="rect">
             <a:avLst/>
           </a:prstGeom>
           <a:solidFill>
-            <a:schemeClr val="bg1"/>
+            <a:srgbClr val="CAB897"/>
           </a:solidFill>
           <a:ln w="38100">
             <a:solidFill>
@@ -5057,7 +5057,7 @@
             </a:lvl9pPr>
           </a:lstStyle>
           <a:p>
-            <a:pPr algn="just" eaLnBrk="1" hangingPunct="1">
+            <a:pPr eaLnBrk="1" hangingPunct="1">
               <a:spcBef>
                 <a:spcPct val="50000"/>
               </a:spcBef>
@@ -5178,14 +5178,14 @@
         </p:nvSpPr>
         <p:spPr bwMode="auto">
           <a:xfrm>
-            <a:off x="1045029" y="19114459"/>
-            <a:ext cx="10012680" cy="5402117"/>
+            <a:off x="1045029" y="19114460"/>
+            <a:ext cx="10012680" cy="1236018"/>
           </a:xfrm>
           <a:prstGeom prst="rect">
             <a:avLst/>
           </a:prstGeom>
           <a:solidFill>
-            <a:schemeClr val="bg1"/>
+            <a:srgbClr val="CAB897"/>
           </a:solidFill>
           <a:ln w="38100">
             <a:solidFill>
@@ -5333,7 +5333,7 @@
             </a:lvl9pPr>
           </a:lstStyle>
           <a:p>
-            <a:pPr algn="just" eaLnBrk="1" hangingPunct="1">
+            <a:pPr eaLnBrk="1" hangingPunct="1">
               <a:spcBef>
                 <a:spcPct val="50000"/>
               </a:spcBef>
@@ -5350,7 +5350,7 @@
             </a:r>
           </a:p>
           <a:p>
-            <a:pPr algn="just" eaLnBrk="1" hangingPunct="1">
+            <a:pPr eaLnBrk="1" hangingPunct="1">
               <a:spcBef>
                 <a:spcPts val="400"/>
               </a:spcBef>
@@ -5365,6 +5365,20 @@
               </a:rPr>
               <a:t>	</a:t>
             </a:r>
+            <a:endParaRPr lang="en-US" altLang="x-none" sz="2057" dirty="0" smtClean="0">
+              <a:solidFill>
+                <a:srgbClr val="FF8000"/>
+              </a:solidFill>
+              <a:latin typeface="Helvetica" panose="020B0604020202020204" pitchFamily="34" charset="0"/>
+              <a:cs typeface="Helvetica" panose="020B0604020202020204" pitchFamily="34" charset="0"/>
+            </a:endParaRPr>
+          </a:p>
+          <a:p>
+            <a:pPr eaLnBrk="1" hangingPunct="1">
+              <a:spcBef>
+                <a:spcPts val="400"/>
+              </a:spcBef>
+            </a:pPr>
             <a:endParaRPr lang="en-US" altLang="x-none" sz="2057" dirty="0">
               <a:latin typeface="Helvetica" panose="020B0604020202020204" pitchFamily="34" charset="0"/>
               <a:cs typeface="Helvetica" panose="020B0604020202020204" pitchFamily="34" charset="0"/>
@@ -5483,7 +5497,7 @@
             <a:avLst/>
           </a:prstGeom>
           <a:solidFill>
-            <a:schemeClr val="bg1"/>
+            <a:srgbClr val="CAB897"/>
           </a:solidFill>
           <a:ln w="38100">
             <a:solidFill>
@@ -5784,8 +5798,8 @@
             </a:pPr>
             <a:r>
               <a:rPr lang="en-US" altLang="x-none" sz="4800" b="1" dirty="0" smtClean="0">
-                <a:latin typeface="Helvetica" panose="020B0604020202020204" pitchFamily="34" charset="0"/>
-                <a:cs typeface="Helvetica" panose="020B0604020202020204" pitchFamily="34" charset="0"/>
+                <a:latin typeface="Times New Roman" panose="02020603050405020304" pitchFamily="18" charset="0"/>
+                <a:cs typeface="Times New Roman" panose="02020603050405020304" pitchFamily="18" charset="0"/>
               </a:rPr>
               <a:t>Team Members: John C. Froehlich, Jonathan Talik, James Luce, Rawand Rasheed, Mimi Shang and Jordan Roland</a:t>
             </a:r>
@@ -5801,14 +5815,14 @@
             </a:pPr>
             <a:r>
               <a:rPr lang="is-IS" altLang="x-none" sz="4800" b="1" dirty="0" smtClean="0">
-                <a:latin typeface="Helvetica" panose="020B0604020202020204" pitchFamily="34" charset="0"/>
-                <a:cs typeface="Helvetica" panose="020B0604020202020204" pitchFamily="34" charset="0"/>
+                <a:latin typeface="Times New Roman" panose="02020603050405020304" pitchFamily="18" charset="0"/>
+                <a:cs typeface="Times New Roman" panose="02020603050405020304" pitchFamily="18" charset="0"/>
               </a:rPr>
               <a:t>Sponsor: Portland State Aerospace Society</a:t>
             </a:r>
             <a:endParaRPr lang="en-US" altLang="x-none" sz="4800" dirty="0">
-              <a:latin typeface="Helvetica" panose="020B0604020202020204" pitchFamily="34" charset="0"/>
-              <a:cs typeface="Helvetica" panose="020B0604020202020204" pitchFamily="34" charset="0"/>
+              <a:latin typeface="Times New Roman" panose="02020603050405020304" pitchFamily="18" charset="0"/>
+              <a:cs typeface="Times New Roman" panose="02020603050405020304" pitchFamily="18" charset="0"/>
             </a:endParaRPr>
           </a:p>
         </p:txBody>
@@ -6030,14 +6044,14 @@
           </a:ln>
           <a:extLst>
             <a:ext uri="{909E8E84-426E-40dd-AFC4-6F175D3DCCD1}">
-              <a14:hiddenFill xmlns:a14="http://schemas.microsoft.com/office/drawing/2010/main" xmlns="">
+              <a14:hiddenFill xmlns="" xmlns:a14="http://schemas.microsoft.com/office/drawing/2010/main">
                 <a:solidFill>
                   <a:srgbClr val="FFFFFF"/>
                 </a:solidFill>
               </a14:hiddenFill>
             </a:ext>
             <a:ext uri="{91240B29-F687-4f45-9708-019B960494DF}">
-              <a14:hiddenLine xmlns:a14="http://schemas.microsoft.com/office/drawing/2010/main" xmlns="" w="9525">
+              <a14:hiddenLine xmlns="" xmlns:a14="http://schemas.microsoft.com/office/drawing/2010/main" w="9525">
                 <a:solidFill>
                   <a:srgbClr val="000000"/>
                 </a:solidFill>
@@ -6064,9 +6078,9 @@
                     <a:schemeClr val="bg1"/>
                   </a:solidFill>
                 </a:ln>
-                <a:latin typeface="Helvetica" panose="020B0604020202020204" pitchFamily="34" charset="0"/>
+                <a:latin typeface="Times New Roman" panose="02020603050405020304" pitchFamily="18" charset="0"/>
                 <a:ea typeface="ＭＳ Ｐゴシック" charset="0"/>
-                <a:cs typeface="Helvetica" panose="020B0604020202020204" pitchFamily="34" charset="0"/>
+                <a:cs typeface="Times New Roman" panose="02020603050405020304" pitchFamily="18" charset="0"/>
               </a:rPr>
               <a:t>Electric Propellant Feed System (EFS)</a:t>
             </a:r>
@@ -6076,9 +6090,9 @@
                   <a:schemeClr val="bg1"/>
                 </a:solidFill>
               </a:ln>
-              <a:latin typeface="Helvetica" panose="020B0604020202020204" pitchFamily="34" charset="0"/>
+              <a:latin typeface="Times New Roman" panose="02020603050405020304" pitchFamily="18" charset="0"/>
               <a:ea typeface="ＭＳ Ｐゴシック" charset="0"/>
-              <a:cs typeface="Helvetica" panose="020B0604020202020204" pitchFamily="34" charset="0"/>
+              <a:cs typeface="Times New Roman" panose="02020603050405020304" pitchFamily="18" charset="0"/>
             </a:endParaRPr>
           </a:p>
         </p:txBody>
@@ -6093,14 +6107,14 @@
         </p:nvSpPr>
         <p:spPr bwMode="auto">
           <a:xfrm>
-            <a:off x="1045029" y="9838793"/>
-            <a:ext cx="10012680" cy="8804808"/>
+            <a:off x="1045029" y="9673496"/>
+            <a:ext cx="10012680" cy="1299304"/>
           </a:xfrm>
           <a:prstGeom prst="rect">
             <a:avLst/>
           </a:prstGeom>
           <a:solidFill>
-            <a:schemeClr val="bg1"/>
+            <a:srgbClr val="CAB897"/>
           </a:solidFill>
           <a:ln w="38100">
             <a:solidFill>
@@ -6248,7 +6262,7 @@
             </a:lvl9pPr>
           </a:lstStyle>
           <a:p>
-            <a:pPr algn="just" eaLnBrk="1" hangingPunct="1">
+            <a:pPr eaLnBrk="1" hangingPunct="1">
               <a:spcBef>
                 <a:spcPct val="50000"/>
               </a:spcBef>
@@ -6262,42 +6276,149 @@
             </a:r>
           </a:p>
           <a:p>
+            <a:pPr algn="ctr" eaLnBrk="1" hangingPunct="1">
+              <a:spcBef>
+                <a:spcPct val="50000"/>
+              </a:spcBef>
+            </a:pPr>
+            <a:endParaRPr lang="en-US" sz="2800" dirty="0" smtClean="0">
+              <a:latin typeface="Garamond" panose="02020404030301010803" pitchFamily="18" charset="0"/>
+              <a:cs typeface="Helvetica" panose="020B0604020202020204" pitchFamily="34" charset="0"/>
+            </a:endParaRPr>
+          </a:p>
+          <a:p>
             <a:pPr eaLnBrk="1" hangingPunct="1">
               <a:spcBef>
                 <a:spcPct val="50000"/>
               </a:spcBef>
             </a:pPr>
             <a:r>
+              <a:rPr lang="en-US" sz="2800" dirty="0" smtClean="0">
+                <a:latin typeface="Garamond" panose="02020404030301010803" pitchFamily="18" charset="0"/>
+                <a:cs typeface="Helvetica" panose="020B0604020202020204" pitchFamily="34" charset="0"/>
+              </a:rPr>
+              <a:t>Historically</a:t>
+            </a:r>
+            <a:r>
               <a:rPr lang="en-US" sz="2800" dirty="0">
                 <a:latin typeface="Garamond" panose="02020404030301010803" pitchFamily="18" charset="0"/>
                 <a:cs typeface="Helvetica" panose="020B0604020202020204" pitchFamily="34" charset="0"/>
               </a:rPr>
-              <a:t>Historically, the systems to impel propellants to requirements of the combustion chamber of a liquid fueled rocket are based on the employment of turbo-pumps or a pressurized gas systems. The complexity and cost of these methods has made building a liquid fuel rocket financially and technically difficult for the amateur rocket community. However, recent technological advances in electric motors and batteries have building small and light weight electric-pump feed systems is possible. </a:t>
-            </a:r>
-            <a:endParaRPr lang="en-US" altLang="x-none" sz="2800" i="1" dirty="0" smtClean="0">
-              <a:solidFill>
-                <a:schemeClr val="accent2"/>
-              </a:solidFill>
-              <a:latin typeface="Garamond" panose="02020404030301010803" pitchFamily="18" charset="0"/>
-              <a:cs typeface="Helvetica" panose="020B0604020202020204" pitchFamily="34" charset="0"/>
-            </a:endParaRPr>
-          </a:p>
-          <a:p>
-            <a:endParaRPr lang="en-US" sz="2800" dirty="0">
-              <a:latin typeface="Garamond" panose="02020404030301010803" pitchFamily="18" charset="0"/>
-              <a:cs typeface="Helvetica" panose="020B0604020202020204" pitchFamily="34" charset="0"/>
-            </a:endParaRPr>
-          </a:p>
-          <a:p>
+              <a:t>, the systems to impel propellants to </a:t>
+            </a:r>
             <a:r>
               <a:rPr lang="en-US" sz="2800" dirty="0" smtClean="0">
                 <a:latin typeface="Garamond" panose="02020404030301010803" pitchFamily="18" charset="0"/>
                 <a:cs typeface="Helvetica" panose="020B0604020202020204" pitchFamily="34" charset="0"/>
               </a:rPr>
-              <a:t>The open source development of an electric motor powered, high speed centrifugal pump feed system is a step forward towards making low cost bipropellant rockets capable of reaching low Earth orbit accessible to amateurs and academic rocketry groups. </a:t>
-            </a:r>
-          </a:p>
-          <a:p>
+              <a:t>the combustion </a:t>
+            </a:r>
+            <a:r>
+              <a:rPr lang="en-US" sz="2800" dirty="0">
+                <a:latin typeface="Garamond" panose="02020404030301010803" pitchFamily="18" charset="0"/>
+                <a:cs typeface="Helvetica" panose="020B0604020202020204" pitchFamily="34" charset="0"/>
+              </a:rPr>
+              <a:t>chamber of a liquid fueled rocket are based on the employment of turbo-pumps or </a:t>
+            </a:r>
+            <a:r>
+              <a:rPr lang="en-US" sz="2800" dirty="0" smtClean="0">
+                <a:latin typeface="Garamond" panose="02020404030301010803" pitchFamily="18" charset="0"/>
+                <a:cs typeface="Helvetica" panose="020B0604020202020204" pitchFamily="34" charset="0"/>
+              </a:rPr>
+              <a:t>pressurized </a:t>
+            </a:r>
+            <a:r>
+              <a:rPr lang="en-US" sz="2800" dirty="0">
+                <a:latin typeface="Garamond" panose="02020404030301010803" pitchFamily="18" charset="0"/>
+                <a:cs typeface="Helvetica" panose="020B0604020202020204" pitchFamily="34" charset="0"/>
+              </a:rPr>
+              <a:t>gas systems. </a:t>
+            </a:r>
+            <a:endParaRPr lang="en-US" sz="2800" dirty="0" smtClean="0">
+              <a:latin typeface="Garamond" panose="02020404030301010803" pitchFamily="18" charset="0"/>
+              <a:cs typeface="Helvetica" panose="020B0604020202020204" pitchFamily="34" charset="0"/>
+            </a:endParaRPr>
+          </a:p>
+          <a:p>
+            <a:pPr eaLnBrk="1" hangingPunct="1">
+              <a:spcBef>
+                <a:spcPct val="50000"/>
+              </a:spcBef>
+            </a:pPr>
+            <a:r>
+              <a:rPr lang="en-US" sz="2800" dirty="0" smtClean="0">
+                <a:latin typeface="Garamond" panose="02020404030301010803" pitchFamily="18" charset="0"/>
+                <a:cs typeface="Helvetica" panose="020B0604020202020204" pitchFamily="34" charset="0"/>
+              </a:rPr>
+              <a:t>The </a:t>
+            </a:r>
+            <a:r>
+              <a:rPr lang="en-US" sz="2800" dirty="0">
+                <a:latin typeface="Garamond" panose="02020404030301010803" pitchFamily="18" charset="0"/>
+                <a:cs typeface="Helvetica" panose="020B0604020202020204" pitchFamily="34" charset="0"/>
+              </a:rPr>
+              <a:t>complexity and cost of these methods has made building a liquid fuel rocket financially and technically difficult for the amateur rocket community. </a:t>
+            </a:r>
+            <a:endParaRPr lang="en-US" sz="2800" dirty="0" smtClean="0">
+              <a:latin typeface="Garamond" panose="02020404030301010803" pitchFamily="18" charset="0"/>
+              <a:cs typeface="Helvetica" panose="020B0604020202020204" pitchFamily="34" charset="0"/>
+            </a:endParaRPr>
+          </a:p>
+          <a:p>
+            <a:pPr eaLnBrk="1" hangingPunct="1">
+              <a:spcBef>
+                <a:spcPct val="50000"/>
+              </a:spcBef>
+            </a:pPr>
+            <a:r>
+              <a:rPr lang="en-US" sz="2800" dirty="0" smtClean="0">
+                <a:latin typeface="Garamond" panose="02020404030301010803" pitchFamily="18" charset="0"/>
+                <a:cs typeface="Helvetica" panose="020B0604020202020204" pitchFamily="34" charset="0"/>
+              </a:rPr>
+              <a:t>By pursuing</a:t>
+            </a:r>
+            <a:r>
+              <a:rPr lang="en-US" sz="2800" dirty="0" smtClean="0">
+                <a:latin typeface="Garamond" panose="02020404030301010803" pitchFamily="18" charset="0"/>
+                <a:cs typeface="Helvetica" panose="020B0604020202020204" pitchFamily="34" charset="0"/>
+              </a:rPr>
+              <a:t> the open </a:t>
+            </a:r>
+            <a:r>
+              <a:rPr lang="en-US" sz="2800" dirty="0" smtClean="0">
+                <a:latin typeface="Garamond" panose="02020404030301010803" pitchFamily="18" charset="0"/>
+                <a:cs typeface="Helvetica" panose="020B0604020202020204" pitchFamily="34" charset="0"/>
+              </a:rPr>
+              <a:t>source development of </a:t>
+            </a:r>
+            <a:r>
+              <a:rPr lang="en-US" sz="2800" dirty="0" smtClean="0">
+                <a:latin typeface="Garamond" panose="02020404030301010803" pitchFamily="18" charset="0"/>
+                <a:cs typeface="Helvetica" panose="020B0604020202020204" pitchFamily="34" charset="0"/>
+              </a:rPr>
+              <a:t>an electric motor </a:t>
+            </a:r>
+            <a:r>
+              <a:rPr lang="en-US" sz="2800" dirty="0" smtClean="0">
+                <a:latin typeface="Garamond" panose="02020404030301010803" pitchFamily="18" charset="0"/>
+                <a:cs typeface="Helvetica" panose="020B0604020202020204" pitchFamily="34" charset="0"/>
+              </a:rPr>
+              <a:t>powered, high speed </a:t>
+            </a:r>
+            <a:r>
+              <a:rPr lang="en-US" sz="2800" dirty="0" smtClean="0">
+                <a:latin typeface="Garamond" panose="02020404030301010803" pitchFamily="18" charset="0"/>
+                <a:cs typeface="Helvetica" panose="020B0604020202020204" pitchFamily="34" charset="0"/>
+              </a:rPr>
+              <a:t>propellant </a:t>
+            </a:r>
+            <a:r>
+              <a:rPr lang="en-US" sz="2800" dirty="0" smtClean="0">
+                <a:latin typeface="Garamond" panose="02020404030301010803" pitchFamily="18" charset="0"/>
+                <a:cs typeface="Helvetica" panose="020B0604020202020204" pitchFamily="34" charset="0"/>
+              </a:rPr>
+              <a:t>feed system, </a:t>
+            </a:r>
             <a:endParaRPr lang="en-US" sz="2800" dirty="0">
               <a:latin typeface="Helvetica" panose="020B0604020202020204" pitchFamily="34" charset="0"/>
               <a:cs typeface="Helvetica" panose="020B0604020202020204" pitchFamily="34" charset="0"/>
@@ -6322,7 +6443,7 @@
             <a:avLst/>
           </a:prstGeom>
           <a:solidFill>
-            <a:schemeClr val="bg1"/>
+            <a:srgbClr val="CAB897"/>
           </a:solidFill>
           <a:ln w="38100">
             <a:solidFill>
@@ -6754,14 +6875,14 @@
                 <a:gridCol w="4025137">
                   <a:extLst>
                     <a:ext uri="{9D8B030D-6E8A-4147-A177-3AD203B41FA5}">
-                      <a16:colId xmlns:a16="http://schemas.microsoft.com/office/drawing/2014/main" xmlns="" val="20000"/>
+                      <a16:colId xmlns="" xmlns:a16="http://schemas.microsoft.com/office/drawing/2014/main" val="20000"/>
                     </a:ext>
                   </a:extLst>
                 </a:gridCol>
                 <a:gridCol w="4209496">
                   <a:extLst>
                     <a:ext uri="{9D8B030D-6E8A-4147-A177-3AD203B41FA5}">
-                      <a16:colId xmlns:a16="http://schemas.microsoft.com/office/drawing/2014/main" xmlns="" val="20001"/>
+                      <a16:colId xmlns="" xmlns:a16="http://schemas.microsoft.com/office/drawing/2014/main" val="20001"/>
                     </a:ext>
                   </a:extLst>
                 </a:gridCol>
@@ -7073,7 +7194,7 @@
                 </a:tc>
                 <a:extLst>
                   <a:ext uri="{0D108BD9-81ED-4DB2-BD59-A6C34878D82A}">
-                    <a16:rowId xmlns:a16="http://schemas.microsoft.com/office/drawing/2014/main" xmlns="" val="10000"/>
+                    <a16:rowId xmlns="" xmlns:a16="http://schemas.microsoft.com/office/drawing/2014/main" val="10000"/>
                   </a:ext>
                 </a:extLst>
               </a:tr>
@@ -8100,55 +8221,20 @@
                 <a:latin typeface="Garamond" panose="02020404030301010803" pitchFamily="18" charset="0"/>
                 <a:cs typeface="Helvetica" panose="020B0604020202020204" pitchFamily="34" charset="0"/>
               </a:rPr>
-              <a:t>Values monitored: Suction </a:t>
-            </a:r>
+              <a:t>Values monitored: Suction pressure, discharge pressure, volute and seal cavity pressures, RPM, flow rate, shaft torque.</a:t>
+            </a:r>
+          </a:p>
+          <a:p>
+            <a:pPr marL="457200" indent="-457200">
+              <a:buFont typeface="Arial" panose="020B0604020202020204" pitchFamily="34" charset="0"/>
+              <a:buChar char="•"/>
+            </a:pPr>
             <a:r>
               <a:rPr lang="en-US" sz="2800" dirty="0" smtClean="0">
                 <a:latin typeface="Garamond" panose="02020404030301010803" pitchFamily="18" charset="0"/>
                 <a:cs typeface="Helvetica" panose="020B0604020202020204" pitchFamily="34" charset="0"/>
               </a:rPr>
-              <a:t>pressure</a:t>
-            </a:r>
-            <a:r>
-              <a:rPr lang="en-US" sz="2800" dirty="0" smtClean="0">
-                <a:latin typeface="Garamond" panose="02020404030301010803" pitchFamily="18" charset="0"/>
-                <a:cs typeface="Helvetica" panose="020B0604020202020204" pitchFamily="34" charset="0"/>
-              </a:rPr>
-              <a:t>, discharge pressure, </a:t>
-            </a:r>
-            <a:r>
-              <a:rPr lang="en-US" sz="2800" dirty="0" smtClean="0">
-                <a:latin typeface="Garamond" panose="02020404030301010803" pitchFamily="18" charset="0"/>
-                <a:cs typeface="Helvetica" panose="020B0604020202020204" pitchFamily="34" charset="0"/>
-              </a:rPr>
-              <a:t>volute and seal cavity pressures, RPM, flow rate, shaft torque.</a:t>
-            </a:r>
-          </a:p>
-          <a:p>
-            <a:pPr marL="457200" indent="-457200">
-              <a:buFont typeface="Arial" panose="020B0604020202020204" pitchFamily="34" charset="0"/>
-              <a:buChar char="•"/>
-            </a:pPr>
-            <a:r>
-              <a:rPr lang="en-US" sz="2800" dirty="0" smtClean="0">
-                <a:latin typeface="Garamond" panose="02020404030301010803" pitchFamily="18" charset="0"/>
-                <a:cs typeface="Helvetica" panose="020B0604020202020204" pitchFamily="34" charset="0"/>
-              </a:rPr>
-              <a:t>Inlet pressure (~45 psi) provided via a 42 gallon water tank kept at constant pressure via </a:t>
-            </a:r>
-            <a:r>
-              <a:rPr lang="en-US" sz="2800" dirty="0" smtClean="0">
-                <a:latin typeface="Garamond" panose="02020404030301010803" pitchFamily="18" charset="0"/>
-                <a:cs typeface="Helvetica" panose="020B0604020202020204" pitchFamily="34" charset="0"/>
-              </a:rPr>
-              <a:t>a </a:t>
-            </a:r>
-            <a:r>
-              <a:rPr lang="en-US" sz="2800" dirty="0" smtClean="0">
-                <a:latin typeface="Garamond" panose="02020404030301010803" pitchFamily="18" charset="0"/>
-                <a:cs typeface="Helvetica" panose="020B0604020202020204" pitchFamily="34" charset="0"/>
-              </a:rPr>
-              <a:t>pressure regulator.</a:t>
+              <a:t>Inlet pressure (~45 psi) provided via a 42 gallon water tank kept at constant pressure via a pressure regulator.</a:t>
             </a:r>
           </a:p>
           <a:p>

--- a/Doc/Presentations/Posters/ME493 Poster_1020pm_john_edits.pptx
+++ b/Doc/Presentations/Posters/ME493 Poster_1020pm_john_edits.pptx
@@ -294,7 +294,7 @@
           <a:p>
             <a:fld id="{3E4396BC-FF86-E443-91C3-1CD4D44441F9}" type="datetimeFigureOut">
               <a:rPr lang="en-US" smtClean="0"/>
-              <a:t>6/2/2017</a:t>
+              <a:t>6/3/2017</a:t>
             </a:fld>
             <a:endParaRPr lang="en-US"/>
           </a:p>
@@ -477,7 +477,7 @@
             <a:fld id="{DF699EAC-4048-3F42-8ACE-36A8E7A2B107}" type="datetime1">
               <a:rPr lang="en-US" altLang="x-none"/>
               <a:pPr/>
-              <a:t>6/2/2017</a:t>
+              <a:t>6/3/2017</a:t>
             </a:fld>
             <a:endParaRPr lang="en-US" altLang="x-none"/>
           </a:p>
@@ -852,7 +852,7 @@
               </a14:hiddenFill>
             </a:ext>
             <a:ext uri="{FAA26D3D-D897-4be2-8F04-BA451C77F1D7}">
-              <ma14:placeholderFlag xmlns:ma14="http://schemas.microsoft.com/office/mac/drawingml/2011/main" xmlns="" val="1"/>
+              <ma14:placeholderFlag xmlns="" xmlns:ma14="http://schemas.microsoft.com/office/mac/drawingml/2011/main" val="1"/>
             </a:ext>
           </a:extLst>
         </p:spPr>
@@ -3732,7 +3732,7 @@
               </a14:hiddenLine>
             </a:ext>
             <a:ext uri="{FAA26D3D-D897-4be2-8F04-BA451C77F1D7}">
-              <ma14:placeholderFlag xmlns:ma14="http://schemas.microsoft.com/office/mac/drawingml/2011/main" xmlns="" val="1"/>
+              <ma14:placeholderFlag xmlns="" xmlns:ma14="http://schemas.microsoft.com/office/mac/drawingml/2011/main" val="1"/>
             </a:ext>
           </a:extLst>
         </p:spPr>
@@ -3793,7 +3793,7 @@
               </a14:hiddenLine>
             </a:ext>
             <a:ext uri="{FAA26D3D-D897-4be2-8F04-BA451C77F1D7}">
-              <ma14:placeholderFlag xmlns:ma14="http://schemas.microsoft.com/office/mac/drawingml/2011/main" xmlns="" val="1"/>
+              <ma14:placeholderFlag xmlns="" xmlns:ma14="http://schemas.microsoft.com/office/mac/drawingml/2011/main" val="1"/>
             </a:ext>
           </a:extLst>
         </p:spPr>
@@ -4419,6 +4419,47 @@
       </p:grpSpPr>
       <p:sp>
         <p:nvSpPr>
+          <p:cNvPr id="17" name="Rectangle 16"/>
+          <p:cNvSpPr/>
+          <p:nvPr/>
+        </p:nvSpPr>
+        <p:spPr>
+          <a:xfrm>
+            <a:off x="1045028" y="252804"/>
+            <a:ext cx="41622635" cy="4567214"/>
+          </a:xfrm>
+          <a:prstGeom prst="rect">
+            <a:avLst/>
+          </a:prstGeom>
+          <a:solidFill>
+            <a:srgbClr val="6CADFA"/>
+          </a:solidFill>
+        </p:spPr>
+        <p:style>
+          <a:lnRef idx="1">
+            <a:schemeClr val="accent1"/>
+          </a:lnRef>
+          <a:fillRef idx="3">
+            <a:schemeClr val="accent1"/>
+          </a:fillRef>
+          <a:effectRef idx="2">
+            <a:schemeClr val="accent1"/>
+          </a:effectRef>
+          <a:fontRef idx="minor">
+            <a:schemeClr val="lt1"/>
+          </a:fontRef>
+        </p:style>
+        <p:txBody>
+          <a:bodyPr rtlCol="0" anchor="ctr"/>
+          <a:lstStyle/>
+          <a:p>
+            <a:pPr algn="ctr"/>
+            <a:endParaRPr lang="en-US"/>
+          </a:p>
+        </p:txBody>
+      </p:sp>
+      <p:sp>
+        <p:nvSpPr>
           <p:cNvPr id="14342" name="Text Box 12"/>
           <p:cNvSpPr txBox="1">
             <a:spLocks noChangeArrowheads="1"/>
@@ -4427,13 +4468,15 @@
         </p:nvSpPr>
         <p:spPr bwMode="auto">
           <a:xfrm>
-            <a:off x="11828001" y="5611189"/>
-            <a:ext cx="16950199" cy="26884426"/>
+            <a:off x="11828001" y="5709998"/>
+            <a:ext cx="16950199" cy="1221743"/>
           </a:xfrm>
           <a:prstGeom prst="rect">
             <a:avLst/>
           </a:prstGeom>
-          <a:noFill/>
+          <a:solidFill>
+            <a:srgbClr val="6CADFA"/>
+          </a:solidFill>
           <a:ln w="38100">
             <a:solidFill>
               <a:srgbClr val="000000"/>
@@ -4444,7 +4487,7 @@
           </a:ln>
         </p:spPr>
         <p:txBody>
-          <a:bodyPr lIns="783771" tIns="391886" rIns="783771" bIns="783771"/>
+          <a:bodyPr lIns="783771" tIns="274320" rIns="783771" bIns="783771"/>
           <a:lstStyle>
             <a:lvl1pPr eaLnBrk="0" hangingPunct="0">
               <a:tabLst>
@@ -4622,7 +4665,7 @@
         </p:blipFill>
         <p:spPr>
           <a:xfrm>
-            <a:off x="13617377" y="7580250"/>
+            <a:off x="13436134" y="8598630"/>
             <a:ext cx="12920869" cy="6983896"/>
           </a:xfrm>
           <a:prstGeom prst="rect">
@@ -4651,8 +4694,8 @@
         </p:blipFill>
         <p:spPr>
           <a:xfrm>
-            <a:off x="12940177" y="7407981"/>
-            <a:ext cx="15504556" cy="8302439"/>
+            <a:off x="12038489" y="8426361"/>
+            <a:ext cx="16739709" cy="8302439"/>
           </a:xfrm>
           <a:prstGeom prst="rect">
             <a:avLst/>
@@ -4669,14 +4712,14 @@
         </p:nvSpPr>
         <p:spPr bwMode="auto">
           <a:xfrm>
-            <a:off x="29387369" y="5611189"/>
-            <a:ext cx="13280294" cy="24310011"/>
+            <a:off x="29387369" y="5709998"/>
+            <a:ext cx="13280294" cy="1221744"/>
           </a:xfrm>
           <a:prstGeom prst="rect">
             <a:avLst/>
           </a:prstGeom>
           <a:solidFill>
-            <a:schemeClr val="bg1"/>
+            <a:srgbClr val="6CADFA"/>
           </a:solidFill>
           <a:ln w="38100">
             <a:solidFill>
@@ -4688,7 +4731,7 @@
           </a:ln>
         </p:spPr>
         <p:txBody>
-          <a:bodyPr lIns="783771" tIns="391886" rIns="783771" bIns="783771"/>
+          <a:bodyPr lIns="783771" tIns="274320" rIns="783771" bIns="783771"/>
           <a:lstStyle>
             <a:lvl1pPr eaLnBrk="0" hangingPunct="0">
               <a:tabLst>
@@ -4837,8 +4880,25 @@
                 <a:latin typeface="Garamond" panose="02020404030301010803" pitchFamily="18" charset="0"/>
                 <a:cs typeface="Helvetica" panose="020B0604020202020204" pitchFamily="34" charset="0"/>
               </a:rPr>
-              <a:t>Measured Performance</a:t>
-            </a:r>
+              <a:t>Measured </a:t>
+            </a:r>
+            <a:r>
+              <a:rPr lang="en-US" altLang="x-none" sz="4400" b="1" dirty="0" smtClean="0">
+                <a:solidFill>
+                  <a:srgbClr val="000000"/>
+                </a:solidFill>
+                <a:latin typeface="Garamond" panose="02020404030301010803" pitchFamily="18" charset="0"/>
+                <a:cs typeface="Helvetica" panose="020B0604020202020204" pitchFamily="34" charset="0"/>
+              </a:rPr>
+              <a:t>Performance</a:t>
+            </a:r>
+          </a:p>
+          <a:p>
+            <a:pPr eaLnBrk="1" hangingPunct="1">
+              <a:spcBef>
+                <a:spcPct val="50000"/>
+              </a:spcBef>
+            </a:pPr>
             <a:endParaRPr lang="en-US" altLang="x-none" sz="4400" b="1" dirty="0">
               <a:solidFill>
                 <a:srgbClr val="000000"/>
@@ -4909,7 +4969,7 @@
             <a:avLst/>
           </a:prstGeom>
           <a:solidFill>
-            <a:srgbClr val="CAB897"/>
+            <a:srgbClr val="6CADFA"/>
           </a:solidFill>
           <a:ln w="38100">
             <a:solidFill>
@@ -4921,7 +4981,7 @@
           </a:ln>
         </p:spPr>
         <p:txBody>
-          <a:bodyPr lIns="783771" tIns="391886" rIns="783771" bIns="783771"/>
+          <a:bodyPr lIns="783771" tIns="274320" rIns="783771" bIns="783771"/>
           <a:lstStyle>
             <a:lvl1pPr eaLnBrk="0" hangingPunct="0">
               <a:tabLst>
@@ -5178,14 +5238,14 @@
         </p:nvSpPr>
         <p:spPr bwMode="auto">
           <a:xfrm>
-            <a:off x="1045029" y="19114460"/>
+            <a:off x="1045028" y="18250528"/>
             <a:ext cx="10012680" cy="1236018"/>
           </a:xfrm>
           <a:prstGeom prst="rect">
             <a:avLst/>
           </a:prstGeom>
           <a:solidFill>
-            <a:srgbClr val="CAB897"/>
+            <a:srgbClr val="6CADFA"/>
           </a:solidFill>
           <a:ln w="38100">
             <a:solidFill>
@@ -5197,7 +5257,7 @@
           </a:ln>
         </p:spPr>
         <p:txBody>
-          <a:bodyPr lIns="783771" tIns="391886" rIns="783771" bIns="783771"/>
+          <a:bodyPr lIns="783771" tIns="274320" rIns="783771" bIns="783771"/>
           <a:lstStyle>
             <a:lvl1pPr eaLnBrk="0" hangingPunct="0">
               <a:tabLst>
@@ -5490,14 +5550,14 @@
         </p:nvSpPr>
         <p:spPr bwMode="auto">
           <a:xfrm>
-            <a:off x="1045029" y="29215037"/>
-            <a:ext cx="10074218" cy="3280579"/>
+            <a:off x="1045028" y="28846118"/>
+            <a:ext cx="10074218" cy="1125643"/>
           </a:xfrm>
           <a:prstGeom prst="rect">
             <a:avLst/>
           </a:prstGeom>
           <a:solidFill>
-            <a:srgbClr val="CAB897"/>
+            <a:srgbClr val="6CADFA"/>
           </a:solidFill>
           <a:ln w="38100">
             <a:solidFill>
@@ -5509,7 +5569,7 @@
           </a:ln>
         </p:spPr>
         <p:txBody>
-          <a:bodyPr lIns="783771" tIns="391886" rIns="783771" bIns="783771"/>
+          <a:bodyPr lIns="783771" tIns="274320" rIns="783771" bIns="783771"/>
           <a:lstStyle>
             <a:lvl1pPr eaLnBrk="0" hangingPunct="0">
               <a:defRPr sz="3200">
@@ -5646,8 +5706,8 @@
         </p:nvSpPr>
         <p:spPr bwMode="auto">
           <a:xfrm>
-            <a:off x="3832758" y="2880374"/>
-            <a:ext cx="37670508" cy="2259958"/>
+            <a:off x="3021091" y="2747839"/>
+            <a:ext cx="37670508" cy="2022531"/>
           </a:xfrm>
           <a:prstGeom prst="rect">
             <a:avLst/>
@@ -5677,7 +5737,7 @@
           </a:extLst>
         </p:spPr>
         <p:txBody>
-          <a:bodyPr wrap="square" lIns="235131" tIns="235131" rIns="235131" bIns="235131" anchor="ctr">
+          <a:bodyPr wrap="square" lIns="235131" tIns="0" rIns="235131" bIns="235131" anchor="ctr">
             <a:spAutoFit/>
           </a:bodyPr>
           <a:lstStyle>
@@ -5837,14 +5897,14 @@
         </p:nvSpPr>
         <p:spPr bwMode="auto">
           <a:xfrm>
-            <a:off x="29548492" y="30458855"/>
-            <a:ext cx="13280294" cy="2036761"/>
+            <a:off x="29693657" y="28846118"/>
+            <a:ext cx="13280294" cy="1125643"/>
           </a:xfrm>
           <a:prstGeom prst="rect">
             <a:avLst/>
           </a:prstGeom>
           <a:solidFill>
-            <a:schemeClr val="bg1"/>
+            <a:srgbClr val="6CADFA"/>
           </a:solidFill>
           <a:ln w="38100">
             <a:solidFill>
@@ -5856,7 +5916,7 @@
           </a:ln>
         </p:spPr>
         <p:txBody>
-          <a:bodyPr lIns="783771" tIns="391886" rIns="783771" bIns="783771"/>
+          <a:bodyPr lIns="783771" tIns="274320" rIns="783771" bIns="783771"/>
           <a:lstStyle>
             <a:lvl1pPr eaLnBrk="0" hangingPunct="0">
               <a:defRPr sz="3200">
@@ -5974,7 +6034,17 @@
                 <a:latin typeface="Garamond" panose="02020404030301010803" pitchFamily="18" charset="0"/>
                 <a:cs typeface="Helvetica" panose="020B0604020202020204" pitchFamily="34" charset="0"/>
               </a:rPr>
-              <a:t>Project Website</a:t>
+              <a:t>Project </a:t>
+            </a:r>
+            <a:r>
+              <a:rPr lang="en-US" altLang="x-none" sz="4400" b="1" dirty="0" smtClean="0">
+                <a:solidFill>
+                  <a:srgbClr val="000000"/>
+                </a:solidFill>
+                <a:latin typeface="Garamond" panose="02020404030301010803" pitchFamily="18" charset="0"/>
+                <a:cs typeface="Helvetica" panose="020B0604020202020204" pitchFamily="34" charset="0"/>
+              </a:rPr>
+              <a:t>Website</a:t>
             </a:r>
           </a:p>
           <a:p>
@@ -5983,15 +6053,26 @@
                 <a:spcPct val="10000"/>
               </a:spcBef>
             </a:pPr>
-            <a:r>
-              <a:rPr lang="en-US" altLang="x-none" sz="2800" dirty="0" smtClean="0">
+            <a:endParaRPr lang="en-US" altLang="x-none" sz="2800" dirty="0">
+              <a:latin typeface="Garamond" panose="02020404030301010803" pitchFamily="18" charset="0"/>
+              <a:cs typeface="Helvetica" panose="020B0604020202020204" pitchFamily="34" charset="0"/>
+            </a:endParaRPr>
+          </a:p>
+          <a:p>
+            <a:pPr eaLnBrk="1" hangingPunct="1">
+              <a:spcBef>
+                <a:spcPct val="10000"/>
+              </a:spcBef>
+            </a:pPr>
+            <a:r>
+              <a:rPr lang="en-US" altLang="x-none" sz="2800" b="1" dirty="0" smtClean="0">
                 <a:latin typeface="Garamond" panose="02020404030301010803" pitchFamily="18" charset="0"/>
                 <a:cs typeface="Helvetica" panose="020B0604020202020204" pitchFamily="34" charset="0"/>
               </a:rPr>
               <a:t>https</a:t>
             </a:r>
             <a:r>
-              <a:rPr lang="en-US" altLang="x-none" sz="2800" dirty="0">
+              <a:rPr lang="en-US" altLang="x-none" sz="2800" b="1" dirty="0">
                 <a:latin typeface="Garamond" panose="02020404030301010803" pitchFamily="18" charset="0"/>
                 <a:cs typeface="Helvetica" panose="020B0604020202020204" pitchFamily="34" charset="0"/>
               </a:rPr>
@@ -6032,8 +6113,8 @@
         </p:nvSpPr>
         <p:spPr bwMode="auto">
           <a:xfrm>
-            <a:off x="651615" y="767543"/>
-            <a:ext cx="42386250" cy="1862048"/>
+            <a:off x="753896" y="497685"/>
+            <a:ext cx="42386250" cy="1815882"/>
           </a:xfrm>
           <a:prstGeom prst="rect">
             <a:avLst/>
@@ -6044,14 +6125,14 @@
           </a:ln>
           <a:extLst>
             <a:ext uri="{909E8E84-426E-40dd-AFC4-6F175D3DCCD1}">
-              <a14:hiddenFill xmlns="" xmlns:a14="http://schemas.microsoft.com/office/drawing/2010/main">
+              <a14:hiddenFill xmlns:a14="http://schemas.microsoft.com/office/drawing/2010/main" xmlns="">
                 <a:solidFill>
                   <a:srgbClr val="FFFFFF"/>
                 </a:solidFill>
               </a14:hiddenFill>
             </a:ext>
             <a:ext uri="{91240B29-F687-4f45-9708-019B960494DF}">
-              <a14:hiddenLine xmlns="" xmlns:a14="http://schemas.microsoft.com/office/drawing/2010/main" w="9525">
+              <a14:hiddenLine xmlns:a14="http://schemas.microsoft.com/office/drawing/2010/main" xmlns="" w="9525">
                 <a:solidFill>
                   <a:srgbClr val="000000"/>
                 </a:solidFill>
@@ -6063,7 +6144,7 @@
           </a:extLst>
         </p:spPr>
         <p:txBody>
-          <a:bodyPr anchor="ctr">
+          <a:bodyPr tIns="0" anchor="ctr">
             <a:spAutoFit/>
           </a:bodyPr>
           <a:lstStyle/>
@@ -6073,23 +6154,21 @@
             </a:pPr>
             <a:r>
               <a:rPr lang="en-US" sz="11500" b="1" dirty="0" smtClean="0">
-                <a:ln>
-                  <a:solidFill>
-                    <a:schemeClr val="bg1"/>
-                  </a:solidFill>
-                </a:ln>
                 <a:latin typeface="Times New Roman" panose="02020603050405020304" pitchFamily="18" charset="0"/>
                 <a:ea typeface="ＭＳ Ｐゴシック" charset="0"/>
                 <a:cs typeface="Times New Roman" panose="02020603050405020304" pitchFamily="18" charset="0"/>
               </a:rPr>
-              <a:t>Electric Propellant Feed System (EFS)</a:t>
+              <a:t>Electric </a:t>
+            </a:r>
+            <a:r>
+              <a:rPr lang="en-US" sz="11500" b="1" dirty="0" smtClean="0">
+                <a:latin typeface="Times New Roman" panose="02020603050405020304" pitchFamily="18" charset="0"/>
+                <a:ea typeface="ＭＳ Ｐゴシック" charset="0"/>
+                <a:cs typeface="Times New Roman" panose="02020603050405020304" pitchFamily="18" charset="0"/>
+              </a:rPr>
+              <a:t>Propellant Feed System (EFS)</a:t>
             </a:r>
             <a:endParaRPr lang="en-US" sz="11500" b="1" dirty="0">
-              <a:ln>
-                <a:solidFill>
-                  <a:schemeClr val="bg1"/>
-                </a:solidFill>
-              </a:ln>
               <a:latin typeface="Times New Roman" panose="02020603050405020304" pitchFamily="18" charset="0"/>
               <a:ea typeface="ＭＳ Ｐゴシック" charset="0"/>
               <a:cs typeface="Times New Roman" panose="02020603050405020304" pitchFamily="18" charset="0"/>
@@ -6114,7 +6193,7 @@
             <a:avLst/>
           </a:prstGeom>
           <a:solidFill>
-            <a:srgbClr val="CAB897"/>
+            <a:srgbClr val="6CADFA"/>
           </a:solidFill>
           <a:ln w="38100">
             <a:solidFill>
@@ -6126,7 +6205,7 @@
           </a:ln>
         </p:spPr>
         <p:txBody>
-          <a:bodyPr lIns="783771" tIns="391886" rIns="783771" bIns="783771"/>
+          <a:bodyPr lIns="783771" tIns="274320" rIns="783771" bIns="783771"/>
           <a:lstStyle>
             <a:lvl1pPr eaLnBrk="0" hangingPunct="0">
               <a:tabLst>
@@ -6375,49 +6454,7 @@
                 <a:latin typeface="Garamond" panose="02020404030301010803" pitchFamily="18" charset="0"/>
                 <a:cs typeface="Helvetica" panose="020B0604020202020204" pitchFamily="34" charset="0"/>
               </a:rPr>
-              <a:t>By pursuing</a:t>
-            </a:r>
-            <a:r>
-              <a:rPr lang="en-US" sz="2800" dirty="0" smtClean="0">
-                <a:latin typeface="Garamond" panose="02020404030301010803" pitchFamily="18" charset="0"/>
-                <a:cs typeface="Helvetica" panose="020B0604020202020204" pitchFamily="34" charset="0"/>
-              </a:rPr>
-              <a:t> the open </a:t>
-            </a:r>
-            <a:r>
-              <a:rPr lang="en-US" sz="2800" dirty="0" smtClean="0">
-                <a:latin typeface="Garamond" panose="02020404030301010803" pitchFamily="18" charset="0"/>
-                <a:cs typeface="Helvetica" panose="020B0604020202020204" pitchFamily="34" charset="0"/>
-              </a:rPr>
-              <a:t>source development of </a:t>
-            </a:r>
-            <a:r>
-              <a:rPr lang="en-US" sz="2800" dirty="0" smtClean="0">
-                <a:latin typeface="Garamond" panose="02020404030301010803" pitchFamily="18" charset="0"/>
-                <a:cs typeface="Helvetica" panose="020B0604020202020204" pitchFamily="34" charset="0"/>
-              </a:rPr>
-              <a:t>an electric motor </a:t>
-            </a:r>
-            <a:r>
-              <a:rPr lang="en-US" sz="2800" dirty="0" smtClean="0">
-                <a:latin typeface="Garamond" panose="02020404030301010803" pitchFamily="18" charset="0"/>
-                <a:cs typeface="Helvetica" panose="020B0604020202020204" pitchFamily="34" charset="0"/>
-              </a:rPr>
-              <a:t>powered, high speed </a:t>
-            </a:r>
-            <a:r>
-              <a:rPr lang="en-US" sz="2800" dirty="0" smtClean="0">
-                <a:latin typeface="Garamond" panose="02020404030301010803" pitchFamily="18" charset="0"/>
-                <a:cs typeface="Helvetica" panose="020B0604020202020204" pitchFamily="34" charset="0"/>
-              </a:rPr>
-              <a:t>propellant </a:t>
-            </a:r>
-            <a:r>
-              <a:rPr lang="en-US" sz="2800" dirty="0" smtClean="0">
-                <a:latin typeface="Garamond" panose="02020404030301010803" pitchFamily="18" charset="0"/>
-                <a:cs typeface="Helvetica" panose="020B0604020202020204" pitchFamily="34" charset="0"/>
-              </a:rPr>
-              <a:t>feed system, </a:t>
+              <a:t>By pursuing the open source development of an electric motor powered, high speed propellant feed system, </a:t>
             </a:r>
             <a:endParaRPr lang="en-US" sz="2800" dirty="0">
               <a:latin typeface="Helvetica" panose="020B0604020202020204" pitchFamily="34" charset="0"/>
@@ -6436,14 +6473,14 @@
         </p:nvSpPr>
         <p:spPr bwMode="auto">
           <a:xfrm>
-            <a:off x="1045029" y="24987434"/>
-            <a:ext cx="10012680" cy="3756745"/>
+            <a:off x="1045028" y="24246561"/>
+            <a:ext cx="10012680" cy="1172052"/>
           </a:xfrm>
           <a:prstGeom prst="rect">
             <a:avLst/>
           </a:prstGeom>
           <a:solidFill>
-            <a:srgbClr val="CAB897"/>
+            <a:srgbClr val="6CADFA"/>
           </a:solidFill>
           <a:ln w="38100">
             <a:solidFill>
@@ -6455,7 +6492,7 @@
           </a:ln>
         </p:spPr>
         <p:txBody>
-          <a:bodyPr lIns="783771" tIns="391886" rIns="783771" bIns="783771"/>
+          <a:bodyPr lIns="783771" tIns="274320" rIns="783771" bIns="783771"/>
           <a:lstStyle>
             <a:lvl1pPr eaLnBrk="0" hangingPunct="0">
               <a:tabLst>
@@ -6591,7 +6628,7 @@
             </a:lvl9pPr>
           </a:lstStyle>
           <a:p>
-            <a:pPr algn="just" eaLnBrk="1" hangingPunct="1">
+            <a:pPr eaLnBrk="1" hangingPunct="1">
               <a:spcBef>
                 <a:spcPct val="50000"/>
               </a:spcBef>
@@ -6606,6 +6643,27 @@
               </a:rPr>
               <a:t>Future Work </a:t>
             </a:r>
+            <a:endParaRPr lang="en-US" altLang="x-none" sz="4400" b="1" dirty="0" smtClean="0">
+              <a:solidFill>
+                <a:srgbClr val="000000"/>
+              </a:solidFill>
+              <a:latin typeface="Garamond" panose="02020404030301010803" pitchFamily="18" charset="0"/>
+              <a:cs typeface="Helvetica" panose="020B0604020202020204" pitchFamily="34" charset="0"/>
+            </a:endParaRPr>
+          </a:p>
+          <a:p>
+            <a:pPr algn="just" eaLnBrk="1" hangingPunct="1">
+              <a:spcBef>
+                <a:spcPts val="600"/>
+              </a:spcBef>
+            </a:pPr>
+            <a:endParaRPr lang="en-US" altLang="x-none" sz="4400" b="1" dirty="0" smtClean="0">
+              <a:solidFill>
+                <a:srgbClr val="000000"/>
+              </a:solidFill>
+              <a:latin typeface="Garamond" panose="02020404030301010803" pitchFamily="18" charset="0"/>
+              <a:cs typeface="Helvetica" panose="020B0604020202020204" pitchFamily="34" charset="0"/>
+            </a:endParaRPr>
           </a:p>
           <a:p>
             <a:pPr marL="457200" indent="-457200" eaLnBrk="1" hangingPunct="1">
@@ -6732,25 +6790,7 @@
               </a:rPr>
               <a:t>.</a:t>
             </a:r>
-          </a:p>
-          <a:p>
-            <a:pPr eaLnBrk="1" hangingPunct="1">
-              <a:spcBef>
-                <a:spcPct val="10000"/>
-              </a:spcBef>
-            </a:pPr>
-            <a:endParaRPr lang="en-US" altLang="x-none" sz="2800" dirty="0">
-              <a:latin typeface="Helvetica" panose="020B0604020202020204" pitchFamily="34" charset="0"/>
-              <a:cs typeface="Helvetica" panose="020B0604020202020204" pitchFamily="34" charset="0"/>
-            </a:endParaRPr>
-          </a:p>
-          <a:p>
-            <a:pPr eaLnBrk="1" hangingPunct="1">
-              <a:spcBef>
-                <a:spcPct val="10000"/>
-              </a:spcBef>
-            </a:pPr>
-            <a:endParaRPr lang="en-US" altLang="x-none" sz="2400" dirty="0">
+            <a:endParaRPr lang="en-US" altLang="x-none" sz="2800" dirty="0" smtClean="0">
               <a:latin typeface="Helvetica" panose="020B0604020202020204" pitchFamily="34" charset="0"/>
               <a:cs typeface="Helvetica" panose="020B0604020202020204" pitchFamily="34" charset="0"/>
             </a:endParaRPr>
@@ -6779,7 +6819,7 @@
         </p:blipFill>
         <p:spPr>
           <a:xfrm>
-            <a:off x="37466868" y="1260800"/>
+            <a:off x="37466868" y="31118299"/>
             <a:ext cx="5507083" cy="1148717"/>
           </a:xfrm>
           <a:prstGeom prst="rect">
@@ -6789,7 +6829,7 @@
       </p:pic>
       <p:pic>
         <p:nvPicPr>
-          <p:cNvPr id="4" name="Picture 3"/>
+          <p:cNvPr id="9" name="Picture 8"/>
           <p:cNvPicPr>
             <a:picLocks noChangeAspect="1"/>
           </p:cNvPicPr>
@@ -6809,38 +6849,8 @@
         </p:blipFill>
         <p:spPr>
           <a:xfrm>
-            <a:off x="1045029" y="463471"/>
-            <a:ext cx="2787729" cy="2787729"/>
-          </a:xfrm>
-          <a:prstGeom prst="rect">
-            <a:avLst/>
-          </a:prstGeom>
-        </p:spPr>
-      </p:pic>
-      <p:pic>
-        <p:nvPicPr>
-          <p:cNvPr id="9" name="Picture 8"/>
-          <p:cNvPicPr>
-            <a:picLocks noChangeAspect="1"/>
-          </p:cNvPicPr>
-          <p:nvPr/>
-        </p:nvPicPr>
-        <p:blipFill>
-          <a:blip r:embed="rId8">
-            <a:extLst>
-              <a:ext uri="{28A0092B-C50C-407E-A947-70E740481C1C}">
-                <a14:useLocalDpi xmlns:a14="http://schemas.microsoft.com/office/drawing/2010/main" val="0"/>
-              </a:ext>
-            </a:extLst>
-          </a:blip>
-          <a:stretch>
-            <a:fillRect/>
-          </a:stretch>
-        </p:blipFill>
-        <p:spPr>
-          <a:xfrm>
-            <a:off x="12470294" y="20987956"/>
-            <a:ext cx="7173303" cy="5262979"/>
+            <a:off x="12038490" y="22006335"/>
+            <a:ext cx="7364178" cy="5816978"/>
           </a:xfrm>
           <a:prstGeom prst="rect">
             <a:avLst/>
@@ -6875,14 +6885,14 @@
                 <a:gridCol w="4025137">
                   <a:extLst>
                     <a:ext uri="{9D8B030D-6E8A-4147-A177-3AD203B41FA5}">
-                      <a16:colId xmlns="" xmlns:a16="http://schemas.microsoft.com/office/drawing/2014/main" val="20000"/>
+                      <a16:colId xmlns:a16="http://schemas.microsoft.com/office/drawing/2014/main" xmlns="" val="20000"/>
                     </a:ext>
                   </a:extLst>
                 </a:gridCol>
                 <a:gridCol w="4209496">
                   <a:extLst>
                     <a:ext uri="{9D8B030D-6E8A-4147-A177-3AD203B41FA5}">
-                      <a16:colId xmlns="" xmlns:a16="http://schemas.microsoft.com/office/drawing/2014/main" val="20001"/>
+                      <a16:colId xmlns:a16="http://schemas.microsoft.com/office/drawing/2014/main" xmlns="" val="20001"/>
                     </a:ext>
                   </a:extLst>
                 </a:gridCol>
@@ -7194,7 +7204,7 @@
                 </a:tc>
                 <a:extLst>
                   <a:ext uri="{0D108BD9-81ED-4DB2-BD59-A6C34878D82A}">
-                    <a16:rowId xmlns="" xmlns:a16="http://schemas.microsoft.com/office/drawing/2014/main" val="10000"/>
+                    <a16:rowId xmlns:a16="http://schemas.microsoft.com/office/drawing/2014/main" xmlns="" val="10000"/>
                   </a:ext>
                 </a:extLst>
               </a:tr>
@@ -7210,12 +7220,15 @@
         </p:nvSpPr>
         <p:spPr>
           <a:xfrm>
-            <a:off x="12219733" y="7311147"/>
-            <a:ext cx="3840472" cy="954107"/>
+            <a:off x="11828001" y="8329527"/>
+            <a:ext cx="4050961" cy="954107"/>
           </a:xfrm>
           <a:prstGeom prst="rect">
             <a:avLst/>
           </a:prstGeom>
+          <a:solidFill>
+            <a:srgbClr val="FBF4EC"/>
+          </a:solidFill>
           <a:effectLst>
             <a:outerShdw blurRad="50800" dist="38100" dir="2700000" algn="tl" rotWithShape="0">
               <a:prstClr val="black">
@@ -7266,12 +7279,15 @@
         </p:nvSpPr>
         <p:spPr>
           <a:xfrm>
-            <a:off x="12189513" y="15861106"/>
+            <a:off x="12008270" y="16879486"/>
             <a:ext cx="3813505" cy="954107"/>
           </a:xfrm>
           <a:prstGeom prst="rect">
             <a:avLst/>
           </a:prstGeom>
+          <a:solidFill>
+            <a:srgbClr val="FBF4EC"/>
+          </a:solidFill>
           <a:effectLst>
             <a:outerShdw blurRad="50800" dist="38100" dir="2700000" algn="tl" rotWithShape="0">
               <a:prstClr val="black">
@@ -7322,12 +7338,15 @@
         </p:nvSpPr>
         <p:spPr>
           <a:xfrm>
-            <a:off x="18224811" y="6723142"/>
+            <a:off x="18043568" y="7741522"/>
             <a:ext cx="3622025" cy="523220"/>
           </a:xfrm>
           <a:prstGeom prst="rect">
             <a:avLst/>
           </a:prstGeom>
+          <a:solidFill>
+            <a:srgbClr val="FBF4EC"/>
+          </a:solidFill>
           <a:effectLst>
             <a:outerShdw blurRad="50800" dist="38100" dir="2700000" algn="tl" rotWithShape="0">
               <a:prstClr val="black">
@@ -7378,12 +7397,15 @@
         </p:nvSpPr>
         <p:spPr>
           <a:xfrm>
-            <a:off x="16364459" y="15873359"/>
+            <a:off x="16183216" y="16891739"/>
             <a:ext cx="3043054" cy="954107"/>
           </a:xfrm>
           <a:prstGeom prst="rect">
             <a:avLst/>
           </a:prstGeom>
+          <a:solidFill>
+            <a:srgbClr val="FBF4EC"/>
+          </a:solidFill>
           <a:effectLst>
             <a:outerShdw blurRad="50800" dist="38100" dir="2700000" algn="tl" rotWithShape="0">
               <a:prstClr val="black">
@@ -7434,12 +7456,15 @@
         </p:nvSpPr>
         <p:spPr>
           <a:xfrm>
-            <a:off x="20317252" y="15861106"/>
+            <a:off x="20136009" y="16879486"/>
             <a:ext cx="3622025" cy="954107"/>
           </a:xfrm>
           <a:prstGeom prst="rect">
             <a:avLst/>
           </a:prstGeom>
+          <a:solidFill>
+            <a:srgbClr val="FBF4EC"/>
+          </a:solidFill>
           <a:effectLst>
             <a:outerShdw blurRad="50800" dist="38100" dir="2700000" algn="tl" rotWithShape="0">
               <a:prstClr val="black">
@@ -7490,12 +7515,15 @@
         </p:nvSpPr>
         <p:spPr>
           <a:xfrm>
-            <a:off x="27290697" y="15818948"/>
-            <a:ext cx="919169" cy="523220"/>
+            <a:off x="27109454" y="16837328"/>
+            <a:ext cx="1668745" cy="523220"/>
           </a:xfrm>
           <a:prstGeom prst="rect">
             <a:avLst/>
           </a:prstGeom>
+          <a:solidFill>
+            <a:srgbClr val="FBF4EC"/>
+          </a:solidFill>
           <a:effectLst>
             <a:outerShdw blurRad="50800" dist="38100" dir="2700000" algn="tl" rotWithShape="0">
               <a:prstClr val="black">
@@ -7529,7 +7557,7 @@
                 <a:latin typeface="Garamond" panose="02020404030301010803" pitchFamily="18" charset="0"/>
                 <a:cs typeface="Helvetica" panose="020B0604020202020204" pitchFamily="34" charset="0"/>
               </a:rPr>
-              <a:t>Inlet</a:t>
+              <a:t>Inlet eye</a:t>
             </a:r>
             <a:endParaRPr lang="en-US" sz="2800" dirty="0">
               <a:latin typeface="Garamond" panose="02020404030301010803" pitchFamily="18" charset="0"/>
@@ -7546,12 +7574,15 @@
         </p:nvSpPr>
         <p:spPr>
           <a:xfrm>
-            <a:off x="25656685" y="6679590"/>
-            <a:ext cx="2891173" cy="954107"/>
+            <a:off x="25475442" y="7697970"/>
+            <a:ext cx="3302757" cy="954107"/>
           </a:xfrm>
           <a:prstGeom prst="rect">
             <a:avLst/>
           </a:prstGeom>
+          <a:solidFill>
+            <a:srgbClr val="FBF4EC"/>
+          </a:solidFill>
           <a:effectLst>
             <a:outerShdw blurRad="50800" dist="38100" dir="2700000" algn="tl" rotWithShape="0">
               <a:prstClr val="black">
@@ -7616,12 +7647,15 @@
         </p:nvSpPr>
         <p:spPr>
           <a:xfrm>
-            <a:off x="24925610" y="15818948"/>
+            <a:off x="24744367" y="16837328"/>
             <a:ext cx="1378754" cy="954107"/>
           </a:xfrm>
           <a:prstGeom prst="rect">
             <a:avLst/>
           </a:prstGeom>
+          <a:solidFill>
+            <a:srgbClr val="FBF4EC"/>
+          </a:solidFill>
           <a:effectLst>
             <a:outerShdw blurRad="50800" dist="38100" dir="2700000" algn="tl" rotWithShape="0">
               <a:prstClr val="black">
@@ -7674,8 +7708,8 @@
         </p:nvCxnSpPr>
         <p:spPr>
           <a:xfrm>
-            <a:off x="14139969" y="8265254"/>
-            <a:ext cx="1109703" cy="1911706"/>
+            <a:off x="13853482" y="9283634"/>
+            <a:ext cx="1214947" cy="1911706"/>
           </a:xfrm>
           <a:prstGeom prst="line">
             <a:avLst/>
@@ -7706,7 +7740,7 @@
         </p:nvCxnSpPr>
         <p:spPr>
           <a:xfrm flipH="1">
-            <a:off x="14096266" y="12585032"/>
+            <a:off x="13915023" y="13603412"/>
             <a:ext cx="2677044" cy="3276074"/>
           </a:xfrm>
           <a:prstGeom prst="line">
@@ -7738,7 +7772,7 @@
         </p:nvCxnSpPr>
         <p:spPr>
           <a:xfrm flipH="1">
-            <a:off x="17885986" y="10972800"/>
+            <a:off x="17704743" y="11991180"/>
             <a:ext cx="4805572" cy="4900559"/>
           </a:xfrm>
           <a:prstGeom prst="line">
@@ -7770,7 +7804,7 @@
         </p:nvCxnSpPr>
         <p:spPr>
           <a:xfrm flipH="1">
-            <a:off x="22128265" y="11237495"/>
+            <a:off x="21947022" y="12255875"/>
             <a:ext cx="2644054" cy="4623611"/>
           </a:xfrm>
           <a:prstGeom prst="line">
@@ -7802,8 +7836,8 @@
         </p:nvCxnSpPr>
         <p:spPr>
           <a:xfrm>
-            <a:off x="25336345" y="11891563"/>
-            <a:ext cx="278642" cy="3927385"/>
+            <a:off x="25299830" y="13049250"/>
+            <a:ext cx="133914" cy="3788078"/>
           </a:xfrm>
           <a:prstGeom prst="line">
             <a:avLst/>
@@ -7834,8 +7868,8 @@
         </p:nvCxnSpPr>
         <p:spPr>
           <a:xfrm>
-            <a:off x="27247000" y="11531420"/>
-            <a:ext cx="503282" cy="4287528"/>
+            <a:off x="27337783" y="12255875"/>
+            <a:ext cx="606044" cy="4581453"/>
           </a:xfrm>
           <a:prstGeom prst="line">
             <a:avLst/>
@@ -7866,8 +7900,8 @@
         </p:nvCxnSpPr>
         <p:spPr>
           <a:xfrm flipV="1">
-            <a:off x="26081956" y="7633697"/>
-            <a:ext cx="1020316" cy="2948031"/>
+            <a:off x="25995589" y="8652077"/>
+            <a:ext cx="1131232" cy="2987473"/>
           </a:xfrm>
           <a:prstGeom prst="line">
             <a:avLst/>
@@ -7898,8 +7932,8 @@
         </p:nvCxnSpPr>
         <p:spPr>
           <a:xfrm flipV="1">
-            <a:off x="19038244" y="7246362"/>
-            <a:ext cx="997580" cy="1540629"/>
+            <a:off x="18857001" y="8426360"/>
+            <a:ext cx="997580" cy="1379012"/>
           </a:xfrm>
           <a:prstGeom prst="line">
             <a:avLst/>
@@ -7928,12 +7962,15 @@
         </p:nvSpPr>
         <p:spPr>
           <a:xfrm>
-            <a:off x="22201213" y="6683507"/>
+            <a:off x="22019970" y="7701887"/>
             <a:ext cx="2843873" cy="954107"/>
           </a:xfrm>
           <a:prstGeom prst="rect">
             <a:avLst/>
           </a:prstGeom>
+          <a:solidFill>
+            <a:srgbClr val="FBF4EC"/>
+          </a:solidFill>
           <a:effectLst>
             <a:outerShdw blurRad="50800" dist="38100" dir="2700000" algn="tl" rotWithShape="0">
               <a:prstClr val="black">
@@ -7967,7 +8004,14 @@
                 <a:latin typeface="Garamond" panose="02020404030301010803" pitchFamily="18" charset="0"/>
                 <a:cs typeface="Helvetica" panose="020B0604020202020204" pitchFamily="34" charset="0"/>
               </a:rPr>
-              <a:t>Interchangeable diffusers</a:t>
+              <a:t>Modular </a:t>
+            </a:r>
+            <a:r>
+              <a:rPr lang="en-US" sz="2800" dirty="0" smtClean="0">
+                <a:latin typeface="Garamond" panose="02020404030301010803" pitchFamily="18" charset="0"/>
+                <a:cs typeface="Helvetica" panose="020B0604020202020204" pitchFamily="34" charset="0"/>
+              </a:rPr>
+              <a:t>diffuser mount</a:t>
             </a:r>
             <a:endParaRPr lang="en-US" sz="2800" dirty="0">
               <a:latin typeface="Garamond" panose="02020404030301010803" pitchFamily="18" charset="0"/>
@@ -7986,8 +8030,8 @@
         </p:nvCxnSpPr>
         <p:spPr>
           <a:xfrm flipH="1" flipV="1">
-            <a:off x="23623150" y="7637614"/>
-            <a:ext cx="2534023" cy="627640"/>
+            <a:off x="23441907" y="8655994"/>
+            <a:ext cx="1776313" cy="1017502"/>
           </a:xfrm>
           <a:prstGeom prst="line">
             <a:avLst/>
@@ -8017,7 +8061,7 @@
           <p:nvPr/>
         </p:nvPicPr>
         <p:blipFill>
-          <a:blip r:embed="rId9">
+          <a:blip r:embed="rId8">
             <a:extLst>
               <a:ext uri="{28A0092B-C50C-407E-A947-70E740481C1C}">
                 <a14:useLocalDpi xmlns:a14="http://schemas.microsoft.com/office/drawing/2010/main" val="0"/>
@@ -8030,8 +8074,8 @@
         </p:blipFill>
         <p:spPr>
           <a:xfrm>
-            <a:off x="18152367" y="17232148"/>
-            <a:ext cx="9886094" cy="3118330"/>
+            <a:off x="17971124" y="18250528"/>
+            <a:ext cx="10807076" cy="3118330"/>
           </a:xfrm>
           <a:prstGeom prst="rect">
             <a:avLst/>
@@ -8054,8 +8098,8 @@
         </p:nvSpPr>
         <p:spPr>
           <a:xfrm>
-            <a:off x="12385461" y="17232148"/>
-            <a:ext cx="5180675" cy="2677656"/>
+            <a:off x="12038490" y="18250528"/>
+            <a:ext cx="5346403" cy="3170099"/>
           </a:xfrm>
           <a:prstGeom prst="rect">
             <a:avLst/>
@@ -8089,12 +8133,18 @@
           <a:lstStyle/>
           <a:p>
             <a:r>
-              <a:rPr lang="en-US" sz="2800" b="1" dirty="0" smtClean="0">
+              <a:rPr lang="en-US" sz="3200" b="1" dirty="0" smtClean="0">
                 <a:latin typeface="Garamond" panose="02020404030301010803" pitchFamily="18" charset="0"/>
                 <a:cs typeface="Helvetica" panose="020B0604020202020204" pitchFamily="34" charset="0"/>
               </a:rPr>
               <a:t>Impellers</a:t>
             </a:r>
+          </a:p>
+          <a:p>
+            <a:endParaRPr lang="en-US" sz="2800" b="1" dirty="0" smtClean="0">
+              <a:latin typeface="Garamond" panose="02020404030301010803" pitchFamily="18" charset="0"/>
+              <a:cs typeface="Helvetica" panose="020B0604020202020204" pitchFamily="34" charset="0"/>
+            </a:endParaRPr>
           </a:p>
           <a:p>
             <a:r>
@@ -8147,12 +8197,13 @@
         </p:nvSpPr>
         <p:spPr>
           <a:xfrm>
-            <a:off x="20138314" y="20987956"/>
-            <a:ext cx="7879498" cy="5262979"/>
+            <a:off x="19957070" y="22006336"/>
+            <a:ext cx="8821129" cy="5816977"/>
           </a:xfrm>
           <a:prstGeom prst="rect">
             <a:avLst/>
           </a:prstGeom>
+          <a:noFill/>
           <a:effectLst>
             <a:outerShdw blurRad="50800" dist="38100" dir="2700000" algn="tl" rotWithShape="0">
               <a:prstClr val="black">
@@ -8182,20 +8233,51 @@
           <a:lstStyle/>
           <a:p>
             <a:r>
-              <a:rPr lang="en-US" sz="2800" b="1" dirty="0" smtClean="0">
+              <a:rPr lang="en-US" sz="3200" b="1" dirty="0" smtClean="0">
                 <a:latin typeface="Garamond" panose="02020404030301010803" pitchFamily="18" charset="0"/>
                 <a:cs typeface="Helvetica" panose="020B0604020202020204" pitchFamily="34" charset="0"/>
               </a:rPr>
-              <a:t>Experiment design</a:t>
-            </a:r>
-          </a:p>
-          <a:p>
+              <a:t>Experimental Test Platform </a:t>
+            </a:r>
+          </a:p>
+          <a:p>
+            <a:endParaRPr lang="en-US" sz="3200" b="1" dirty="0" smtClean="0">
+              <a:latin typeface="Garamond" panose="02020404030301010803" pitchFamily="18" charset="0"/>
+              <a:cs typeface="Helvetica" panose="020B0604020202020204" pitchFamily="34" charset="0"/>
+            </a:endParaRPr>
+          </a:p>
+          <a:p>
+            <a:pPr marL="457200" indent="-457200">
+              <a:buFont typeface="Arial" panose="020B0604020202020204" pitchFamily="34" charset="0"/>
+              <a:buChar char="•"/>
+            </a:pPr>
             <a:r>
               <a:rPr lang="en-US" sz="2800" dirty="0" smtClean="0">
                 <a:latin typeface="Garamond" panose="02020404030301010803" pitchFamily="18" charset="0"/>
                 <a:cs typeface="Helvetica" panose="020B0604020202020204" pitchFamily="34" charset="0"/>
               </a:rPr>
-              <a:t>In order to test our pump, we needed an elaborate testing rig.</a:t>
+              <a:t>Arduino </a:t>
+            </a:r>
+            <a:r>
+              <a:rPr lang="en-US" sz="2800" dirty="0" smtClean="0">
+                <a:latin typeface="Garamond" panose="02020404030301010803" pitchFamily="18" charset="0"/>
+                <a:cs typeface="Helvetica" panose="020B0604020202020204" pitchFamily="34" charset="0"/>
+              </a:rPr>
+              <a:t>microcontroller used for motor control and </a:t>
+            </a:r>
+            <a:r>
+              <a:rPr lang="en-US" sz="2800" dirty="0" smtClean="0">
+                <a:latin typeface="Garamond" panose="02020404030301010803" pitchFamily="18" charset="0"/>
+                <a:cs typeface="Helvetica" panose="020B0604020202020204" pitchFamily="34" charset="0"/>
+              </a:rPr>
+              <a:t>system data </a:t>
+            </a:r>
+            <a:r>
+              <a:rPr lang="en-US" sz="2800" dirty="0" smtClean="0">
+                <a:latin typeface="Garamond" panose="02020404030301010803" pitchFamily="18" charset="0"/>
+                <a:cs typeface="Helvetica" panose="020B0604020202020204" pitchFamily="34" charset="0"/>
+              </a:rPr>
+              <a:t>acquisition.</a:t>
             </a:r>
           </a:p>
           <a:p>
@@ -8208,7 +8290,28 @@
                 <a:latin typeface="Garamond" panose="02020404030301010803" pitchFamily="18" charset="0"/>
                 <a:cs typeface="Helvetica" panose="020B0604020202020204" pitchFamily="34" charset="0"/>
               </a:rPr>
-              <a:t>Arduino microcontroller used for motor control and data acquisition.</a:t>
+              <a:t>Variables </a:t>
+            </a:r>
+            <a:r>
+              <a:rPr lang="en-US" sz="2800" dirty="0" smtClean="0">
+                <a:latin typeface="Garamond" panose="02020404030301010803" pitchFamily="18" charset="0"/>
+                <a:cs typeface="Helvetica" panose="020B0604020202020204" pitchFamily="34" charset="0"/>
+              </a:rPr>
+              <a:t>monitored: Suction pressure, discharge pressure, volute and seal cavity pressures, RPM, flow rate, </a:t>
+            </a:r>
+            <a:r>
+              <a:rPr lang="en-US" sz="2800" dirty="0" smtClean="0">
+                <a:latin typeface="Garamond" panose="02020404030301010803" pitchFamily="18" charset="0"/>
+                <a:cs typeface="Helvetica" panose="020B0604020202020204" pitchFamily="34" charset="0"/>
+              </a:rPr>
+              <a:t>inlet temperature and shaft </a:t>
+            </a:r>
+            <a:r>
+              <a:rPr lang="en-US" sz="2800" dirty="0" smtClean="0">
+                <a:latin typeface="Garamond" panose="02020404030301010803" pitchFamily="18" charset="0"/>
+                <a:cs typeface="Helvetica" panose="020B0604020202020204" pitchFamily="34" charset="0"/>
+              </a:rPr>
+              <a:t>torque.</a:t>
             </a:r>
           </a:p>
           <a:p>
@@ -8221,7 +8324,28 @@
                 <a:latin typeface="Garamond" panose="02020404030301010803" pitchFamily="18" charset="0"/>
                 <a:cs typeface="Helvetica" panose="020B0604020202020204" pitchFamily="34" charset="0"/>
               </a:rPr>
-              <a:t>Values monitored: Suction pressure, discharge pressure, volute and seal cavity pressures, RPM, flow rate, shaft torque.</a:t>
+              <a:t>Constant i</a:t>
+            </a:r>
+            <a:r>
+              <a:rPr lang="en-US" sz="2800" dirty="0" smtClean="0">
+                <a:latin typeface="Garamond" panose="02020404030301010803" pitchFamily="18" charset="0"/>
+                <a:cs typeface="Helvetica" panose="020B0604020202020204" pitchFamily="34" charset="0"/>
+              </a:rPr>
+              <a:t>nlet </a:t>
+            </a:r>
+            <a:r>
+              <a:rPr lang="en-US" sz="2800" dirty="0" smtClean="0">
+                <a:latin typeface="Garamond" panose="02020404030301010803" pitchFamily="18" charset="0"/>
+                <a:cs typeface="Helvetica" panose="020B0604020202020204" pitchFamily="34" charset="0"/>
+              </a:rPr>
+              <a:t>pressure (~45 psi) provided via a 42 gallon water </a:t>
+            </a:r>
+            <a:r>
+              <a:rPr lang="en-US" sz="2800" dirty="0" smtClean="0">
+                <a:latin typeface="Garamond" panose="02020404030301010803" pitchFamily="18" charset="0"/>
+                <a:cs typeface="Helvetica" panose="020B0604020202020204" pitchFamily="34" charset="0"/>
+              </a:rPr>
+              <a:t>tank.</a:t>
             </a:r>
           </a:p>
           <a:p>
@@ -8234,8 +8358,12 @@
                 <a:latin typeface="Garamond" panose="02020404030301010803" pitchFamily="18" charset="0"/>
                 <a:cs typeface="Helvetica" panose="020B0604020202020204" pitchFamily="34" charset="0"/>
               </a:rPr>
-              <a:t>Inlet pressure (~45 psi) provided via a 42 gallon water tank kept at constant pressure via a pressure regulator.</a:t>
-            </a:r>
+              <a:t>Flow is controlled during testing using a gate valve on the discharge side.</a:t>
+            </a:r>
+            <a:endParaRPr lang="en-US" sz="2800" dirty="0" smtClean="0">
+              <a:latin typeface="Garamond" panose="02020404030301010803" pitchFamily="18" charset="0"/>
+              <a:cs typeface="Helvetica" panose="020B0604020202020204" pitchFamily="34" charset="0"/>
+            </a:endParaRPr>
           </a:p>
           <a:p>
             <a:pPr marL="457200" indent="-457200">
@@ -8247,8 +8375,25 @@
                 <a:latin typeface="Garamond" panose="02020404030301010803" pitchFamily="18" charset="0"/>
                 <a:cs typeface="Helvetica" panose="020B0604020202020204" pitchFamily="34" charset="0"/>
               </a:rPr>
-              <a:t>Motor and speed controller water cooled .</a:t>
-            </a:r>
+              <a:t>Motor and speed controller water cooled </a:t>
+            </a:r>
+            <a:r>
+              <a:rPr lang="en-US" sz="2800" dirty="0" smtClean="0">
+                <a:latin typeface="Garamond" panose="02020404030301010803" pitchFamily="18" charset="0"/>
+                <a:cs typeface="Helvetica" panose="020B0604020202020204" pitchFamily="34" charset="0"/>
+              </a:rPr>
+              <a:t>.</a:t>
+            </a:r>
+          </a:p>
+          <a:p>
+            <a:pPr marL="457200" indent="-457200">
+              <a:buFont typeface="Arial" panose="020B0604020202020204" pitchFamily="34" charset="0"/>
+              <a:buChar char="•"/>
+            </a:pPr>
+            <a:endParaRPr lang="en-US" sz="2800" dirty="0" smtClean="0">
+              <a:latin typeface="Garamond" panose="02020404030301010803" pitchFamily="18" charset="0"/>
+              <a:cs typeface="Helvetica" panose="020B0604020202020204" pitchFamily="34" charset="0"/>
+            </a:endParaRPr>
           </a:p>
         </p:txBody>
       </p:sp>
@@ -8261,14 +8406,14 @@
           <p:nvPr/>
         </p:nvPicPr>
         <p:blipFill>
-          <a:blip r:embed="rId10"/>
+          <a:blip r:embed="rId9"/>
           <a:stretch>
             <a:fillRect/>
           </a:stretch>
         </p:blipFill>
         <p:spPr>
           <a:xfrm>
-            <a:off x="20392514" y="27167305"/>
+            <a:off x="20211271" y="28185685"/>
             <a:ext cx="6810062" cy="4309930"/>
           </a:xfrm>
           <a:prstGeom prst="rect">
@@ -8284,7 +8429,7 @@
         </p:nvCxnSpPr>
         <p:spPr>
           <a:xfrm>
-            <a:off x="26819753" y="28059437"/>
+            <a:off x="26638510" y="29077817"/>
             <a:ext cx="5418" cy="331123"/>
           </a:xfrm>
           <a:prstGeom prst="straightConnector1">
@@ -8319,7 +8464,7 @@
         </p:nvCxnSpPr>
         <p:spPr>
           <a:xfrm>
-            <a:off x="25886649" y="28059437"/>
+            <a:off x="25705406" y="29077817"/>
             <a:ext cx="985058" cy="0"/>
           </a:xfrm>
           <a:prstGeom prst="line">
@@ -8351,7 +8496,7 @@
         </p:nvCxnSpPr>
         <p:spPr>
           <a:xfrm>
-            <a:off x="25886649" y="28390560"/>
+            <a:off x="25705406" y="29408940"/>
             <a:ext cx="985058" cy="0"/>
           </a:xfrm>
           <a:prstGeom prst="line">
